--- a/data-viz-01/component/tutorial-grammar.pptx
+++ b/data-viz-01/component/tutorial-grammar.pptx
@@ -5,7 +5,7 @@
     <p:sldMasterId id="2147483648" r:id="rId1"/>
   </p:sldMasterIdLst>
   <p:notesMasterIdLst>
-    <p:NotesMasterId r:id="rId16"/>
+    <p:NotesMasterId r:id="rId17"/>
   </p:notesMasterIdLst>
   <p:sldIdLst>
     <p:sldId id="256" r:id="rId2"/>
@@ -22,6 +22,7 @@
     <p:sldId id="267" r:id="rId13"/>
     <p:sldId id="268" r:id="rId14"/>
     <p:sldId id="269" r:id="rId15"/>
+    <p:sldId id="270" r:id="rId16"/>
   </p:sldIdLst>
   <p:sldSz cx="9144000" cy="6858000" type="screen4x3"/>
   <p:notesSz cx="6858000" cy="9144000"/>
@@ -3987,6 +3988,340 @@
             <a:fld id="{18BDFEC3-8487-43E8-A154-7C12CBC1FFF2}" type="slidenum">
               <a:rPr lang="en-US"/>
               <a:t>14</a:t>
+            </a:fld>
+            <a:endParaRPr lang="en-US"/>
+          </a:p>
+        </p:txBody>
+      </p:sp>
+    </p:spTree>
+  </p:cSld>
+</p:notes>
+</file>
+
+<file path=ppt/notesSlides/notesSlide14.xml><?xml version="1.0" encoding="utf-8"?>
+<p:notes xmlns:a="http://schemas.openxmlformats.org/drawingml/2006/main" xmlns:r="http://schemas.openxmlformats.org/officeDocument/2006/relationships" xmlns:p="http://schemas.openxmlformats.org/presentationml/2006/main">
+  <p:cSld>
+    <p:spTree>
+      <p:nvGrpSpPr>
+        <p:cNvPr id="1" name=""/>
+        <p:cNvGrpSpPr/>
+        <p:nvPr/>
+      </p:nvGrpSpPr>
+      <p:grpSpPr>
+        <a:xfrm>
+          <a:off x="0" y="0"/>
+          <a:ext cx="0" cy="0"/>
+          <a:chOff x="0" y="0"/>
+          <a:chExt cx="0" cy="0"/>
+        </a:xfrm>
+      </p:grpSpPr>
+      <p:sp>
+        <p:nvSpPr>
+          <p:cNvPr id="2" name="Slide Image Placeholder 1"/>
+          <p:cNvSpPr>
+            <a:spLocks noGrp="1" noRot="1" noChangeAspect="1"/>
+          </p:cNvSpPr>
+          <p:nvPr>
+            <p:ph type="sldImg"/>
+          </p:nvPr>
+        </p:nvSpPr>
+        <p:spPr/>
+      </p:sp>
+      <p:sp>
+        <p:nvSpPr>
+          <p:cNvPr id="3" name="Notes Placeholder 2"/>
+          <p:cNvSpPr>
+            <a:spLocks noGrp="1"/>
+          </p:cNvSpPr>
+          <p:nvPr>
+            <p:ph type="body" idx="1"/>
+          </p:nvPr>
+        </p:nvSpPr>
+        <p:spPr/>
+        <p:txBody>
+          <a:bodyPr/>
+          <a:lstStyle/>
+          <a:p>
+            <a:pPr lvl="0" marL="0" indent="0">
+              <a:buNone/>
+            </a:pPr>
+            <a:r>
+              <a:rPr/>
+              <a:t>Data</a:t>
+            </a:r>
+            <a:r>
+              <a:rPr/>
+              <a:t> </a:t>
+            </a:r>
+            <a:r>
+              <a:rPr/>
+              <a:t>visualization</a:t>
+            </a:r>
+            <a:r>
+              <a:rPr/>
+              <a:t> </a:t>
+            </a:r>
+            <a:r>
+              <a:rPr/>
+              <a:t>is</a:t>
+            </a:r>
+            <a:r>
+              <a:rPr/>
+              <a:t> </a:t>
+            </a:r>
+            <a:r>
+              <a:rPr/>
+              <a:t>a</a:t>
+            </a:r>
+            <a:r>
+              <a:rPr/>
+              <a:t> </a:t>
+            </a:r>
+            <a:r>
+              <a:rPr/>
+              <a:t>mapping</a:t>
+            </a:r>
+            <a:r>
+              <a:rPr/>
+              <a:t> </a:t>
+            </a:r>
+            <a:r>
+              <a:rPr/>
+              <a:t>of</a:t>
+            </a:r>
+            <a:r>
+              <a:rPr/>
+              <a:t> </a:t>
+            </a:r>
+            <a:r>
+              <a:rPr/>
+              <a:t>data.</a:t>
+            </a:r>
+          </a:p>
+          <a:p>
+            <a:pPr lvl="0" marL="0" indent="0">
+              <a:buNone/>
+            </a:pPr>
+          </a:p>
+          <a:p>
+            <a:pPr lvl="0" marL="0" indent="0">
+              <a:buNone/>
+            </a:pPr>
+            <a:r>
+              <a:rPr/>
+              <a:t>Geometries/marks</a:t>
+            </a:r>
+            <a:r>
+              <a:rPr/>
+              <a:t> </a:t>
+            </a:r>
+            <a:r>
+              <a:rPr/>
+              <a:t>include</a:t>
+            </a:r>
+            <a:r>
+              <a:rPr/>
+              <a:t> </a:t>
+            </a:r>
+            <a:r>
+              <a:rPr/>
+              <a:t>points,</a:t>
+            </a:r>
+            <a:r>
+              <a:rPr/>
+              <a:t> </a:t>
+            </a:r>
+            <a:r>
+              <a:rPr/>
+              <a:t>bars,</a:t>
+            </a:r>
+            <a:r>
+              <a:rPr/>
+              <a:t> </a:t>
+            </a:r>
+            <a:r>
+              <a:rPr/>
+              <a:t>and</a:t>
+            </a:r>
+            <a:r>
+              <a:rPr/>
+              <a:t> </a:t>
+            </a:r>
+            <a:r>
+              <a:rPr/>
+              <a:t>lines.</a:t>
+            </a:r>
+            <a:r>
+              <a:rPr/>
+              <a:t> </a:t>
+            </a:r>
+            <a:r>
+              <a:rPr/>
+              <a:t>Aesthetics</a:t>
+            </a:r>
+            <a:r>
+              <a:rPr/>
+              <a:t> </a:t>
+            </a:r>
+            <a:r>
+              <a:rPr/>
+              <a:t>include</a:t>
+            </a:r>
+            <a:r>
+              <a:rPr/>
+              <a:t> </a:t>
+            </a:r>
+            <a:r>
+              <a:rPr/>
+              <a:t>location,</a:t>
+            </a:r>
+            <a:r>
+              <a:rPr/>
+              <a:t> </a:t>
+            </a:r>
+            <a:r>
+              <a:rPr/>
+              <a:t>size,</a:t>
+            </a:r>
+            <a:r>
+              <a:rPr/>
+              <a:t> </a:t>
+            </a:r>
+            <a:r>
+              <a:rPr/>
+              <a:t>shape,</a:t>
+            </a:r>
+            <a:r>
+              <a:rPr/>
+              <a:t> </a:t>
+            </a:r>
+            <a:r>
+              <a:rPr/>
+              <a:t>and</a:t>
+            </a:r>
+            <a:r>
+              <a:rPr/>
+              <a:t> </a:t>
+            </a:r>
+            <a:r>
+              <a:rPr/>
+              <a:t>color.</a:t>
+            </a:r>
+          </a:p>
+          <a:p>
+            <a:pPr lvl="0" marL="0" indent="0">
+              <a:buNone/>
+            </a:pPr>
+          </a:p>
+          <a:p>
+            <a:pPr lvl="0" marL="0" indent="0">
+              <a:buNone/>
+            </a:pPr>
+            <a:r>
+              <a:rPr/>
+              <a:t>These</a:t>
+            </a:r>
+            <a:r>
+              <a:rPr/>
+              <a:t> </a:t>
+            </a:r>
+            <a:r>
+              <a:rPr/>
+              <a:t>ideas</a:t>
+            </a:r>
+            <a:r>
+              <a:rPr/>
+              <a:t> </a:t>
+            </a:r>
+            <a:r>
+              <a:rPr/>
+              <a:t>are</a:t>
+            </a:r>
+            <a:r>
+              <a:rPr/>
+              <a:t> </a:t>
+            </a:r>
+            <a:r>
+              <a:rPr/>
+              <a:t>implemented</a:t>
+            </a:r>
+            <a:r>
+              <a:rPr/>
+              <a:t> </a:t>
+            </a:r>
+            <a:r>
+              <a:rPr/>
+              <a:t>in</a:t>
+            </a:r>
+            <a:r>
+              <a:rPr/>
+              <a:t> </a:t>
+            </a:r>
+            <a:r>
+              <a:rPr/>
+              <a:t>R</a:t>
+            </a:r>
+            <a:r>
+              <a:rPr/>
+              <a:t> </a:t>
+            </a:r>
+            <a:r>
+              <a:rPr/>
+              <a:t>(ggplot2),</a:t>
+            </a:r>
+            <a:r>
+              <a:rPr/>
+              <a:t> </a:t>
+            </a:r>
+            <a:r>
+              <a:rPr/>
+              <a:t>Python</a:t>
+            </a:r>
+            <a:r>
+              <a:rPr/>
+              <a:t> </a:t>
+            </a:r>
+            <a:r>
+              <a:rPr/>
+              <a:t>(Altair),</a:t>
+            </a:r>
+            <a:r>
+              <a:rPr/>
+              <a:t> </a:t>
+            </a:r>
+            <a:r>
+              <a:rPr/>
+              <a:t>and</a:t>
+            </a:r>
+            <a:r>
+              <a:rPr/>
+              <a:t> </a:t>
+            </a:r>
+            <a:r>
+              <a:rPr/>
+              <a:t>Tableau.</a:t>
+            </a:r>
+          </a:p>
+        </p:txBody>
+      </p:sp>
+      <p:sp>
+        <p:nvSpPr>
+          <p:cNvPr id="4" name="Slide Number Placeholder 3"/>
+          <p:cNvSpPr>
+            <a:spLocks noGrp="1"/>
+          </p:cNvSpPr>
+          <p:nvPr>
+            <p:ph type="sldNum" sz="quarter" idx="10"/>
+          </p:nvPr>
+        </p:nvSpPr>
+        <p:spPr/>
+        <p:txBody>
+          <a:bodyPr/>
+          <a:lstStyle/>
+          <a:p>
+            <a:fld id="{18BDFEC3-8487-43E8-A154-7C12CBC1FFF2}" type="slidenum">
+              <a:rPr lang="en-US"/>
+              <a:t>15</a:t>
             </a:fld>
             <a:endParaRPr lang="en-US"/>
           </a:p>
@@ -14040,7 +14375,23 @@
             </a:r>
             <a:r>
               <a:rPr/>
-              <a:t>Tutorial</a:t>
+              <a:t>Grammar,</a:t>
+            </a:r>
+            <a:r>
+              <a:rPr/>
+              <a:t> </a:t>
+            </a:r>
+            <a:r>
+              <a:rPr/>
+              <a:t>A</a:t>
+            </a:r>
+            <a:r>
+              <a:rPr/>
+              <a:t> </a:t>
+            </a:r>
+            <a:r>
+              <a:rPr/>
+              <a:t>tutorial</a:t>
             </a:r>
             <a:r>
               <a:rPr/>
@@ -14167,6 +14518,14 @@
             </a:pPr>
             <a:r>
               <a:rPr/>
+              <a:t>Grammar,</a:t>
+            </a:r>
+            <a:r>
+              <a:rPr/>
+              <a:t> </a:t>
+            </a:r>
+            <a:r>
+              <a:rPr/>
               <a:t>Geometries/marks</a:t>
             </a:r>
             <a:r>
@@ -14274,6 +14633,14 @@
             </a:pPr>
             <a:r>
               <a:rPr/>
+              <a:t>Grammar,</a:t>
+            </a:r>
+            <a:r>
+              <a:rPr/>
+              <a:t> </a:t>
+            </a:r>
+            <a:r>
+              <a:rPr/>
               <a:t>Geometries/marks</a:t>
             </a:r>
             <a:r>
@@ -14381,6 +14748,14 @@
             </a:pPr>
             <a:r>
               <a:rPr/>
+              <a:t>Grammar,</a:t>
+            </a:r>
+            <a:r>
+              <a:rPr/>
+              <a:t> </a:t>
+            </a:r>
+            <a:r>
+              <a:rPr/>
               <a:t>Mapping</a:t>
             </a:r>
             <a:r>
@@ -14532,6 +14907,14 @@
             </a:pPr>
             <a:r>
               <a:rPr/>
+              <a:t>Grammar,</a:t>
+            </a:r>
+            <a:r>
+              <a:rPr/>
+              <a:t> </a:t>
+            </a:r>
+            <a:r>
+              <a:rPr/>
               <a:t>Mapping</a:t>
             </a:r>
             <a:r>
@@ -14696,6 +15079,14 @@
             <a:pPr lvl="0" marL="0" indent="0">
               <a:buNone/>
             </a:pPr>
+            <a:r>
+              <a:rPr/>
+              <a:t>Grammar,</a:t>
+            </a:r>
+            <a:r>
+              <a:rPr/>
+              <a:t> </a:t>
+            </a:r>
             <a:r>
               <a:rPr/>
               <a:t>Mapping</a:t>
@@ -14832,6 +15223,147 @@
 </p:sld>
 </file>
 
+<file path=ppt/slides/slide15.xml><?xml version="1.0" encoding="utf-8"?>
+<p:sld xmlns:a="http://schemas.openxmlformats.org/drawingml/2006/main" xmlns:r="http://schemas.openxmlformats.org/officeDocument/2006/relationships" xmlns:p="http://schemas.openxmlformats.org/presentationml/2006/main">
+  <p:cSld>
+    <p:spTree>
+      <p:nvGrpSpPr>
+        <p:cNvPr id="1" name=""/>
+        <p:cNvGrpSpPr/>
+        <p:nvPr/>
+      </p:nvGrpSpPr>
+      <p:grpSpPr>
+        <a:xfrm>
+          <a:off x="0" y="0"/>
+          <a:ext cx="0" cy="0"/>
+          <a:chOff x="0" y="0"/>
+          <a:chExt cx="0" cy="0"/>
+        </a:xfrm>
+      </p:grpSpPr>
+      <p:sp>
+        <p:nvSpPr>
+          <p:cNvPr id="2" name="Title 1"/>
+          <p:cNvSpPr>
+            <a:spLocks noGrp="1"/>
+          </p:cNvSpPr>
+          <p:nvPr>
+            <p:ph type="title"/>
+          </p:nvPr>
+        </p:nvSpPr>
+        <p:spPr/>
+        <p:txBody>
+          <a:bodyPr/>
+          <a:lstStyle/>
+          <a:p>
+            <a:pPr lvl="0" marL="0" indent="0">
+              <a:buNone/>
+            </a:pPr>
+            <a:r>
+              <a:rPr/>
+              <a:t>Grammar,</a:t>
+            </a:r>
+            <a:r>
+              <a:rPr/>
+              <a:t> </a:t>
+            </a:r>
+            <a:r>
+              <a:rPr/>
+              <a:t>Summary</a:t>
+            </a:r>
+          </a:p>
+        </p:txBody>
+      </p:sp>
+      <p:sp>
+        <p:nvSpPr>
+          <p:cNvPr id="3" name="Content Placeholder 2"/>
+          <p:cNvSpPr>
+            <a:spLocks noGrp="1"/>
+          </p:cNvSpPr>
+          <p:nvPr>
+            <p:ph idx="1"/>
+          </p:nvPr>
+        </p:nvSpPr>
+        <p:spPr/>
+        <p:txBody>
+          <a:bodyPr/>
+          <a:lstStyle/>
+          <a:p>
+            <a:pPr lvl="1"/>
+            <a:r>
+              <a:rPr/>
+              <a:t>“A mapping of data to the visual aesthetics of geometries/marks”</a:t>
+            </a:r>
+          </a:p>
+          <a:p>
+            <a:pPr lvl="1"/>
+            <a:r>
+              <a:rPr/>
+              <a:t>Geometries/marks</a:t>
+            </a:r>
+          </a:p>
+          <a:p>
+            <a:pPr lvl="2"/>
+            <a:r>
+              <a:rPr/>
+              <a:t>Point</a:t>
+            </a:r>
+          </a:p>
+          <a:p>
+            <a:pPr lvl="2"/>
+            <a:r>
+              <a:rPr/>
+              <a:t>Bar</a:t>
+            </a:r>
+          </a:p>
+          <a:p>
+            <a:pPr lvl="2"/>
+            <a:r>
+              <a:rPr/>
+              <a:t>Line</a:t>
+            </a:r>
+          </a:p>
+          <a:p>
+            <a:pPr lvl="1"/>
+            <a:r>
+              <a:rPr/>
+              <a:t>Aesthetics</a:t>
+            </a:r>
+          </a:p>
+          <a:p>
+            <a:pPr lvl="2"/>
+            <a:r>
+              <a:rPr/>
+              <a:t>Location</a:t>
+            </a:r>
+          </a:p>
+          <a:p>
+            <a:pPr lvl="2"/>
+            <a:r>
+              <a:rPr/>
+              <a:t>Size</a:t>
+            </a:r>
+          </a:p>
+          <a:p>
+            <a:pPr lvl="2"/>
+            <a:r>
+              <a:rPr/>
+              <a:t>Shape</a:t>
+            </a:r>
+          </a:p>
+          <a:p>
+            <a:pPr lvl="2"/>
+            <a:r>
+              <a:rPr/>
+              <a:t>Color</a:t>
+            </a:r>
+          </a:p>
+        </p:txBody>
+      </p:sp>
+    </p:spTree>
+  </p:cSld>
+</p:sld>
+</file>
+
 <file path=ppt/slides/slide2.xml><?xml version="1.0" encoding="utf-8"?>
 <p:sld xmlns:a="http://schemas.openxmlformats.org/drawingml/2006/main" xmlns:r="http://schemas.openxmlformats.org/officeDocument/2006/relationships" xmlns:p="http://schemas.openxmlformats.org/presentationml/2006/main">
   <p:cSld>
@@ -14867,6 +15399,14 @@
             <a:pPr lvl="0" marL="0" indent="0">
               <a:buNone/>
             </a:pPr>
+            <a:r>
+              <a:rPr/>
+              <a:t>Grammar,</a:t>
+            </a:r>
+            <a:r>
+              <a:rPr/>
+              <a:t> </a:t>
+            </a:r>
             <a:r>
               <a:rPr/>
               <a:t>Theoretical</a:t>
@@ -15072,6 +15612,14 @@
             </a:pPr>
             <a:r>
               <a:rPr/>
+              <a:t>Grammar,</a:t>
+            </a:r>
+            <a:r>
+              <a:rPr/>
+              <a:t> </a:t>
+            </a:r>
+            <a:r>
+              <a:rPr/>
               <a:t>Visualization</a:t>
             </a:r>
             <a:r>
@@ -15291,6 +15839,14 @@
             </a:pPr>
             <a:r>
               <a:rPr/>
+              <a:t>Grammar,</a:t>
+            </a:r>
+            <a:r>
+              <a:rPr/>
+              <a:t> </a:t>
+            </a:r>
+            <a:r>
+              <a:rPr/>
               <a:t>Visualization</a:t>
             </a:r>
             <a:r>
@@ -15510,6 +16066,14 @@
             </a:pPr>
             <a:r>
               <a:rPr/>
+              <a:t>Grammar,</a:t>
+            </a:r>
+            <a:r>
+              <a:rPr/>
+              <a:t> </a:t>
+            </a:r>
+            <a:r>
+              <a:rPr/>
               <a:t>Visualization</a:t>
             </a:r>
             <a:r>
@@ -15729,6 +16293,14 @@
             </a:pPr>
             <a:r>
               <a:rPr/>
+              <a:t>Grammar,</a:t>
+            </a:r>
+            <a:r>
+              <a:rPr/>
+              <a:t> </a:t>
+            </a:r>
+            <a:r>
+              <a:rPr/>
               <a:t>Helpful</a:t>
             </a:r>
             <a:r>
@@ -15884,6 +16456,14 @@
             </a:pPr>
             <a:r>
               <a:rPr/>
+              <a:t>Grammar,</a:t>
+            </a:r>
+            <a:r>
+              <a:rPr/>
+              <a:t> </a:t>
+            </a:r>
+            <a:r>
+              <a:rPr/>
               <a:t>Definition</a:t>
             </a:r>
             <a:r>
@@ -15985,6 +16565,14 @@
             </a:pPr>
             <a:r>
               <a:rPr/>
+              <a:t>Grammar,</a:t>
+            </a:r>
+            <a:r>
+              <a:rPr/>
+              <a:t> </a:t>
+            </a:r>
+            <a:r>
+              <a:rPr/>
               <a:t>Examples</a:t>
             </a:r>
           </a:p>
@@ -16116,6 +16704,14 @@
             <a:pPr lvl="0" marL="0" indent="0">
               <a:buNone/>
             </a:pPr>
+            <a:r>
+              <a:rPr/>
+              <a:t>Grammar,</a:t>
+            </a:r>
+            <a:r>
+              <a:rPr/>
+              <a:t> </a:t>
+            </a:r>
             <a:r>
               <a:rPr/>
               <a:t>Geometries/marks</a:t>

--- a/data-viz-01/component/tutorial-grammar.pptx
+++ b/data-viz-01/component/tutorial-grammar.pptx
@@ -1421,47 +1421,47 @@
             </a:r>
             <a:r>
               <a:rPr/>
-              <a:t>does</a:t>
-            </a:r>
-            <a:r>
-              <a:rPr/>
-              <a:t> </a:t>
-            </a:r>
-            <a:r>
-              <a:rPr/>
-              <a:t>not</a:t>
-            </a:r>
-            <a:r>
-              <a:rPr/>
-              <a:t> </a:t>
-            </a:r>
-            <a:r>
-              <a:rPr/>
-              <a:t>have</a:t>
-            </a:r>
-            <a:r>
-              <a:rPr/>
-              <a:t> </a:t>
-            </a:r>
-            <a:r>
-              <a:rPr/>
-              <a:t>a</a:t>
-            </a:r>
-            <a:r>
-              <a:rPr/>
-              <a:t> </a:t>
-            </a:r>
-            <a:r>
-              <a:rPr/>
-              <a:t>formal</a:t>
-            </a:r>
-            <a:r>
-              <a:rPr/>
-              <a:t> </a:t>
-            </a:r>
-            <a:r>
-              <a:rPr/>
-              <a:t>declartion</a:t>
+              <a:t>will</a:t>
+            </a:r>
+            <a:r>
+              <a:rPr/>
+              <a:t> </a:t>
+            </a:r>
+            <a:r>
+              <a:rPr/>
+              <a:t>try</a:t>
+            </a:r>
+            <a:r>
+              <a:rPr/>
+              <a:t> </a:t>
+            </a:r>
+            <a:r>
+              <a:rPr/>
+              <a:t>to</a:t>
+            </a:r>
+            <a:r>
+              <a:rPr/>
+              <a:t> </a:t>
+            </a:r>
+            <a:r>
+              <a:rPr/>
+              <a:t>guess</a:t>
+            </a:r>
+            <a:r>
+              <a:rPr/>
+              <a:t> </a:t>
+            </a:r>
+            <a:r>
+              <a:rPr/>
+              <a:t>what</a:t>
+            </a:r>
+            <a:r>
+              <a:rPr/>
+              <a:t> </a:t>
+            </a:r>
+            <a:r>
+              <a:rPr/>
+              <a:t>type</a:t>
             </a:r>
             <a:r>
               <a:rPr/>
@@ -1477,6 +1477,110 @@
             </a:r>
             <a:r>
               <a:rPr/>
+              <a:t>marks</a:t>
+            </a:r>
+            <a:r>
+              <a:rPr/>
+              <a:t> </a:t>
+            </a:r>
+            <a:r>
+              <a:rPr/>
+              <a:t>to</a:t>
+            </a:r>
+            <a:r>
+              <a:rPr/>
+              <a:t> </a:t>
+            </a:r>
+            <a:r>
+              <a:rPr/>
+              <a:t>use,</a:t>
+            </a:r>
+            <a:r>
+              <a:rPr/>
+              <a:t> </a:t>
+            </a:r>
+            <a:r>
+              <a:rPr/>
+              <a:t>but</a:t>
+            </a:r>
+            <a:r>
+              <a:rPr/>
+              <a:t> </a:t>
+            </a:r>
+            <a:r>
+              <a:rPr/>
+              <a:t>if</a:t>
+            </a:r>
+            <a:r>
+              <a:rPr/>
+              <a:t> </a:t>
+            </a:r>
+            <a:r>
+              <a:rPr/>
+              <a:t>it</a:t>
+            </a:r>
+            <a:r>
+              <a:rPr/>
+              <a:t> </a:t>
+            </a:r>
+            <a:r>
+              <a:rPr/>
+              <a:t>guesses</a:t>
+            </a:r>
+            <a:r>
+              <a:rPr/>
+              <a:t> </a:t>
+            </a:r>
+            <a:r>
+              <a:rPr/>
+              <a:t>wrong,</a:t>
+            </a:r>
+            <a:r>
+              <a:rPr/>
+              <a:t> </a:t>
+            </a:r>
+            <a:r>
+              <a:rPr/>
+              <a:t>you</a:t>
+            </a:r>
+            <a:r>
+              <a:rPr/>
+              <a:t> </a:t>
+            </a:r>
+            <a:r>
+              <a:rPr/>
+              <a:t>can</a:t>
+            </a:r>
+            <a:r>
+              <a:rPr/>
+              <a:t> </a:t>
+            </a:r>
+            <a:r>
+              <a:rPr/>
+              <a:t>correct</a:t>
+            </a:r>
+            <a:r>
+              <a:rPr/>
+              <a:t> </a:t>
+            </a:r>
+            <a:r>
+              <a:rPr/>
+              <a:t>things</a:t>
+            </a:r>
+            <a:r>
+              <a:rPr/>
+              <a:t> </a:t>
+            </a:r>
+            <a:r>
+              <a:rPr/>
+              <a:t>with</a:t>
+            </a:r>
+            <a:r>
+              <a:rPr/>
+              <a:t> </a:t>
+            </a:r>
+            <a:r>
+              <a:rPr/>
               <a:t>the</a:t>
             </a:r>
             <a:r>
@@ -1485,175 +1589,71 @@
             </a:r>
             <a:r>
               <a:rPr/>
-              <a:t>type</a:t>
-            </a:r>
-            <a:r>
-              <a:rPr/>
-              <a:t> </a:t>
-            </a:r>
-            <a:r>
-              <a:rPr/>
-              <a:t>of</a:t>
-            </a:r>
-            <a:r>
-              <a:rPr/>
-              <a:t> </a:t>
-            </a:r>
-            <a:r>
-              <a:rPr/>
-              <a:t>geometry/mark.</a:t>
-            </a:r>
-            <a:r>
-              <a:rPr/>
-              <a:t> </a:t>
-            </a:r>
-            <a:r>
-              <a:rPr/>
-              <a:t>Instead,</a:t>
-            </a:r>
-            <a:r>
-              <a:rPr/>
-              <a:t> </a:t>
-            </a:r>
-            <a:r>
-              <a:rPr/>
-              <a:t>it</a:t>
-            </a:r>
-            <a:r>
-              <a:rPr/>
-              <a:t> </a:t>
-            </a:r>
-            <a:r>
-              <a:rPr/>
-              <a:t>chooses</a:t>
-            </a:r>
-            <a:r>
-              <a:rPr/>
-              <a:t> </a:t>
-            </a:r>
-            <a:r>
-              <a:rPr/>
-              <a:t>the</a:t>
-            </a:r>
-            <a:r>
-              <a:rPr/>
-              <a:t> </a:t>
-            </a:r>
-            <a:r>
-              <a:rPr/>
-              <a:t>geometry/mark</a:t>
-            </a:r>
-            <a:r>
-              <a:rPr/>
-              <a:t> </a:t>
-            </a:r>
-            <a:r>
-              <a:rPr/>
-              <a:t>using</a:t>
-            </a:r>
-            <a:r>
-              <a:rPr/>
-              <a:t> </a:t>
-            </a:r>
-            <a:r>
-              <a:rPr/>
-              <a:t>an</a:t>
-            </a:r>
-            <a:r>
-              <a:rPr/>
-              <a:t> </a:t>
-            </a:r>
-            <a:r>
-              <a:rPr/>
-              <a:t>educated</a:t>
-            </a:r>
-            <a:r>
-              <a:rPr/>
-              <a:t> </a:t>
-            </a:r>
-            <a:r>
-              <a:rPr/>
-              <a:t>guess</a:t>
-            </a:r>
-            <a:r>
-              <a:rPr/>
-              <a:t> </a:t>
-            </a:r>
-            <a:r>
-              <a:rPr/>
-              <a:t>from</a:t>
-            </a:r>
-            <a:r>
-              <a:rPr/>
-              <a:t> </a:t>
-            </a:r>
-            <a:r>
-              <a:rPr/>
-              <a:t>what</a:t>
-            </a:r>
-            <a:r>
-              <a:rPr/>
-              <a:t> </a:t>
-            </a:r>
-            <a:r>
-              <a:rPr/>
-              <a:t>the</a:t>
-            </a:r>
-            <a:r>
-              <a:rPr/>
-              <a:t> </a:t>
-            </a:r>
-            <a:r>
-              <a:rPr/>
-              <a:t>variables</a:t>
-            </a:r>
-            <a:r>
-              <a:rPr/>
-              <a:t> </a:t>
-            </a:r>
-            <a:r>
-              <a:rPr/>
-              <a:t>look</a:t>
-            </a:r>
-            <a:r>
-              <a:rPr/>
-              <a:t> </a:t>
-            </a:r>
-            <a:r>
-              <a:rPr/>
-              <a:t>like.</a:t>
-            </a:r>
-            <a:r>
-              <a:rPr/>
-              <a:t> </a:t>
-            </a:r>
-            <a:r>
-              <a:rPr/>
-              <a:t>It</a:t>
-            </a:r>
-            <a:r>
-              <a:rPr/>
-              <a:t> </a:t>
-            </a:r>
-            <a:r>
-              <a:rPr/>
-              <a:t>will</a:t>
-            </a:r>
-            <a:r>
-              <a:rPr/>
-              <a:t> </a:t>
-            </a:r>
-            <a:r>
-              <a:rPr/>
-              <a:t>use</a:t>
-            </a:r>
-            <a:r>
-              <a:rPr/>
-              <a:t> </a:t>
-            </a:r>
-            <a:r>
-              <a:rPr/>
-              <a:t>bars,</a:t>
+              <a:t>Marks</a:t>
+            </a:r>
+            <a:r>
+              <a:rPr/>
+              <a:t> </a:t>
+            </a:r>
+            <a:r>
+              <a:rPr/>
+              <a:t>pull</a:t>
+            </a:r>
+            <a:r>
+              <a:rPr/>
+              <a:t> </a:t>
+            </a:r>
+            <a:r>
+              <a:rPr/>
+              <a:t>down</a:t>
+            </a:r>
+            <a:r>
+              <a:rPr/>
+              <a:t> </a:t>
+            </a:r>
+            <a:r>
+              <a:rPr/>
+              <a:t>menu.</a:t>
+            </a:r>
+            <a:r>
+              <a:rPr/>
+              <a:t> </a:t>
+            </a:r>
+            <a:r>
+              <a:rPr/>
+              <a:t>This</a:t>
+            </a:r>
+            <a:r>
+              <a:rPr/>
+              <a:t> </a:t>
+            </a:r>
+            <a:r>
+              <a:rPr/>
+              <a:t>menu</a:t>
+            </a:r>
+            <a:r>
+              <a:rPr/>
+              <a:t> </a:t>
+            </a:r>
+            <a:r>
+              <a:rPr/>
+              <a:t>gives</a:t>
+            </a:r>
+            <a:r>
+              <a:rPr/>
+              <a:t> </a:t>
+            </a:r>
+            <a:r>
+              <a:rPr/>
+              <a:t>you</a:t>
+            </a:r>
+            <a:r>
+              <a:rPr/>
+              <a:t> </a:t>
+            </a:r>
+            <a:r>
+              <a:rPr/>
+              <a:t>options</a:t>
             </a:r>
             <a:r>
               <a:rPr/>
@@ -1669,71 +1669,55 @@
             </a:r>
             <a:r>
               <a:rPr/>
-              <a:t>example,</a:t>
-            </a:r>
-            <a:r>
-              <a:rPr/>
-              <a:t> </a:t>
-            </a:r>
-            <a:r>
-              <a:rPr/>
-              <a:t>if</a:t>
-            </a:r>
-            <a:r>
-              <a:rPr/>
-              <a:t> </a:t>
-            </a:r>
-            <a:r>
-              <a:rPr/>
-              <a:t>one</a:t>
-            </a:r>
-            <a:r>
-              <a:rPr/>
-              <a:t> </a:t>
-            </a:r>
-            <a:r>
-              <a:rPr/>
-              <a:t>of</a:t>
-            </a:r>
-            <a:r>
-              <a:rPr/>
-              <a:t> </a:t>
-            </a:r>
-            <a:r>
-              <a:rPr/>
-              <a:t>the</a:t>
-            </a:r>
-            <a:r>
-              <a:rPr/>
-              <a:t> </a:t>
-            </a:r>
-            <a:r>
-              <a:rPr/>
-              <a:t>location</a:t>
-            </a:r>
-            <a:r>
-              <a:rPr/>
-              <a:t> </a:t>
-            </a:r>
-            <a:r>
-              <a:rPr/>
-              <a:t>variables</a:t>
-            </a:r>
-            <a:r>
-              <a:rPr/>
-              <a:t> </a:t>
-            </a:r>
-            <a:r>
-              <a:rPr/>
-              <a:t>is</a:t>
-            </a:r>
-            <a:r>
-              <a:rPr/>
-              <a:t> </a:t>
-            </a:r>
-            <a:r>
-              <a:rPr/>
-              <a:t>categorical</a:t>
+              <a:t>(among</a:t>
+            </a:r>
+            <a:r>
+              <a:rPr/>
+              <a:t> </a:t>
+            </a:r>
+            <a:r>
+              <a:rPr/>
+              <a:t>other</a:t>
+            </a:r>
+            <a:r>
+              <a:rPr/>
+              <a:t> </a:t>
+            </a:r>
+            <a:r>
+              <a:rPr/>
+              <a:t>things)</a:t>
+            </a:r>
+            <a:r>
+              <a:rPr/>
+              <a:t> </a:t>
+            </a:r>
+            <a:r>
+              <a:rPr/>
+              <a:t>Bar,</a:t>
+            </a:r>
+            <a:r>
+              <a:rPr/>
+              <a:t> </a:t>
+            </a:r>
+            <a:r>
+              <a:rPr/>
+              <a:t>Line,</a:t>
+            </a:r>
+            <a:r>
+              <a:rPr/>
+              <a:t> </a:t>
+            </a:r>
+            <a:r>
+              <a:rPr/>
+              <a:t>Shape</a:t>
+            </a:r>
+            <a:r>
+              <a:rPr/>
+              <a:t> </a:t>
+            </a:r>
+            <a:r>
+              <a:rPr/>
+              <a:t>(scatterplot),</a:t>
             </a:r>
             <a:r>
               <a:rPr/>
@@ -1749,71 +1733,7 @@
             </a:r>
             <a:r>
               <a:rPr/>
-              <a:t>lines</a:t>
-            </a:r>
-            <a:r>
-              <a:rPr/>
-              <a:t> </a:t>
-            </a:r>
-            <a:r>
-              <a:rPr/>
-              <a:t>if</a:t>
-            </a:r>
-            <a:r>
-              <a:rPr/>
-              <a:t> </a:t>
-            </a:r>
-            <a:r>
-              <a:rPr/>
-              <a:t>one</a:t>
-            </a:r>
-            <a:r>
-              <a:rPr/>
-              <a:t> </a:t>
-            </a:r>
-            <a:r>
-              <a:rPr/>
-              <a:t>of</a:t>
-            </a:r>
-            <a:r>
-              <a:rPr/>
-              <a:t> </a:t>
-            </a:r>
-            <a:r>
-              <a:rPr/>
-              <a:t>the</a:t>
-            </a:r>
-            <a:r>
-              <a:rPr/>
-              <a:t> </a:t>
-            </a:r>
-            <a:r>
-              <a:rPr/>
-              <a:t>location</a:t>
-            </a:r>
-            <a:r>
-              <a:rPr/>
-              <a:t> </a:t>
-            </a:r>
-            <a:r>
-              <a:rPr/>
-              <a:t>variables</a:t>
-            </a:r>
-            <a:r>
-              <a:rPr/>
-              <a:t> </a:t>
-            </a:r>
-            <a:r>
-              <a:rPr/>
-              <a:t>is</a:t>
-            </a:r>
-            <a:r>
-              <a:rPr/>
-              <a:t> </a:t>
-            </a:r>
-            <a:r>
-              <a:rPr/>
-              <a:t>continuous.</a:t>
+              <a:t>Text.</a:t>
             </a:r>
           </a:p>
         </p:txBody>
@@ -3674,300 +3594,6 @@
               <a:t>appropriately.</a:t>
             </a:r>
           </a:p>
-          <a:p>
-            <a:pPr lvl="0" marL="0" indent="0">
-              <a:buNone/>
-            </a:pPr>
-          </a:p>
-          <a:p>
-            <a:pPr lvl="0" marL="0" indent="0">
-              <a:buNone/>
-            </a:pPr>
-            <a:r>
-              <a:rPr/>
-              <a:t>This</a:t>
-            </a:r>
-            <a:r>
-              <a:rPr/>
-              <a:t> </a:t>
-            </a:r>
-            <a:r>
-              <a:rPr/>
-              <a:t>screenshot</a:t>
-            </a:r>
-            <a:r>
-              <a:rPr/>
-              <a:t> </a:t>
-            </a:r>
-            <a:r>
-              <a:rPr/>
-              <a:t>shows</a:t>
-            </a:r>
-            <a:r>
-              <a:rPr/>
-              <a:t> </a:t>
-            </a:r>
-            <a:r>
-              <a:rPr/>
-              <a:t>an</a:t>
-            </a:r>
-            <a:r>
-              <a:rPr/>
-              <a:t> </a:t>
-            </a:r>
-            <a:r>
-              <a:rPr/>
-              <a:t>example</a:t>
-            </a:r>
-            <a:r>
-              <a:rPr/>
-              <a:t> </a:t>
-            </a:r>
-            <a:r>
-              <a:rPr/>
-              <a:t>where</a:t>
-            </a:r>
-            <a:r>
-              <a:rPr/>
-              <a:t> </a:t>
-            </a:r>
-            <a:r>
-              <a:rPr/>
-              <a:t>Age</a:t>
-            </a:r>
-            <a:r>
-              <a:rPr/>
-              <a:t> </a:t>
-            </a:r>
-            <a:r>
-              <a:rPr/>
-              <a:t>is</a:t>
-            </a:r>
-            <a:r>
-              <a:rPr/>
-              <a:t> </a:t>
-            </a:r>
-            <a:r>
-              <a:rPr/>
-              <a:t>mapped</a:t>
-            </a:r>
-            <a:r>
-              <a:rPr/>
-              <a:t> </a:t>
-            </a:r>
-            <a:r>
-              <a:rPr/>
-              <a:t>to</a:t>
-            </a:r>
-            <a:r>
-              <a:rPr/>
-              <a:t> </a:t>
-            </a:r>
-            <a:r>
-              <a:rPr/>
-              <a:t>the</a:t>
-            </a:r>
-            <a:r>
-              <a:rPr/>
-              <a:t> </a:t>
-            </a:r>
-            <a:r>
-              <a:rPr/>
-              <a:t>x</a:t>
-            </a:r>
-            <a:r>
-              <a:rPr/>
-              <a:t> </a:t>
-            </a:r>
-            <a:r>
-              <a:rPr/>
-              <a:t>location,</a:t>
-            </a:r>
-            <a:r>
-              <a:rPr/>
-              <a:t> </a:t>
-            </a:r>
-            <a:r>
-              <a:rPr/>
-              <a:t>Price</a:t>
-            </a:r>
-            <a:r>
-              <a:rPr/>
-              <a:t> </a:t>
-            </a:r>
-            <a:r>
-              <a:rPr/>
-              <a:t>is</a:t>
-            </a:r>
-            <a:r>
-              <a:rPr/>
-              <a:t> </a:t>
-            </a:r>
-            <a:r>
-              <a:rPr/>
-              <a:t>mapped</a:t>
-            </a:r>
-            <a:r>
-              <a:rPr/>
-              <a:t> </a:t>
-            </a:r>
-            <a:r>
-              <a:rPr/>
-              <a:t>to</a:t>
-            </a:r>
-            <a:r>
-              <a:rPr/>
-              <a:t> </a:t>
-            </a:r>
-            <a:r>
-              <a:rPr/>
-              <a:t>the</a:t>
-            </a:r>
-            <a:r>
-              <a:rPr/>
-              <a:t> </a:t>
-            </a:r>
-            <a:r>
-              <a:rPr/>
-              <a:t>y</a:t>
-            </a:r>
-            <a:r>
-              <a:rPr/>
-              <a:t> </a:t>
-            </a:r>
-            <a:r>
-              <a:rPr/>
-              <a:t>location,</a:t>
-            </a:r>
-            <a:r>
-              <a:rPr/>
-              <a:t> </a:t>
-            </a:r>
-            <a:r>
-              <a:rPr/>
-              <a:t>Acres</a:t>
-            </a:r>
-            <a:r>
-              <a:rPr/>
-              <a:t> </a:t>
-            </a:r>
-            <a:r>
-              <a:rPr/>
-              <a:t>is</a:t>
-            </a:r>
-            <a:r>
-              <a:rPr/>
-              <a:t> </a:t>
-            </a:r>
-            <a:r>
-              <a:rPr/>
-              <a:t>mapped</a:t>
-            </a:r>
-            <a:r>
-              <a:rPr/>
-              <a:t> </a:t>
-            </a:r>
-            <a:r>
-              <a:rPr/>
-              <a:t>to</a:t>
-            </a:r>
-            <a:r>
-              <a:rPr/>
-              <a:t> </a:t>
-            </a:r>
-            <a:r>
-              <a:rPr/>
-              <a:t>size,</a:t>
-            </a:r>
-            <a:r>
-              <a:rPr/>
-              <a:t> </a:t>
-            </a:r>
-            <a:r>
-              <a:rPr/>
-              <a:t>Bedrooms</a:t>
-            </a:r>
-            <a:r>
-              <a:rPr/>
-              <a:t> </a:t>
-            </a:r>
-            <a:r>
-              <a:rPr/>
-              <a:t>is</a:t>
-            </a:r>
-            <a:r>
-              <a:rPr/>
-              <a:t> </a:t>
-            </a:r>
-            <a:r>
-              <a:rPr/>
-              <a:t>mapped</a:t>
-            </a:r>
-            <a:r>
-              <a:rPr/>
-              <a:t> </a:t>
-            </a:r>
-            <a:r>
-              <a:rPr/>
-              <a:t>to</a:t>
-            </a:r>
-            <a:r>
-              <a:rPr/>
-              <a:t> </a:t>
-            </a:r>
-            <a:r>
-              <a:rPr/>
-              <a:t>shape,</a:t>
-            </a:r>
-            <a:r>
-              <a:rPr/>
-              <a:t> </a:t>
-            </a:r>
-            <a:r>
-              <a:rPr/>
-              <a:t>and</a:t>
-            </a:r>
-            <a:r>
-              <a:rPr/>
-              <a:t> </a:t>
-            </a:r>
-            <a:r>
-              <a:rPr/>
-              <a:t>Baths</a:t>
-            </a:r>
-            <a:r>
-              <a:rPr/>
-              <a:t> </a:t>
-            </a:r>
-            <a:r>
-              <a:rPr/>
-              <a:t>is</a:t>
-            </a:r>
-            <a:r>
-              <a:rPr/>
-              <a:t> </a:t>
-            </a:r>
-            <a:r>
-              <a:rPr/>
-              <a:t>mapped</a:t>
-            </a:r>
-            <a:r>
-              <a:rPr/>
-              <a:t> </a:t>
-            </a:r>
-            <a:r>
-              <a:rPr/>
-              <a:t>to</a:t>
-            </a:r>
-            <a:r>
-              <a:rPr/>
-              <a:t> </a:t>
-            </a:r>
-            <a:r>
-              <a:rPr/>
-              <a:t>color.</a:t>
-            </a:r>
-          </a:p>
         </p:txBody>
       </p:sp>
       <p:sp>
@@ -6891,7 +6517,7 @@
             </a:r>
             <a:r>
               <a:rPr/>
-              <a:t>this.</a:t>
+              <a:t>this?</a:t>
             </a:r>
           </a:p>
         </p:txBody>
@@ -14367,22 +13993,6 @@
             </a:pPr>
             <a:r>
               <a:rPr/>
-              <a:t>Data-viz-v01,</a:t>
-            </a:r>
-            <a:r>
-              <a:rPr/>
-              <a:t> </a:t>
-            </a:r>
-            <a:r>
-              <a:rPr/>
-              <a:t>Grammar,</a:t>
-            </a:r>
-            <a:r>
-              <a:rPr/>
-              <a:t> </a:t>
-            </a:r>
-            <a:r>
-              <a:rPr/>
               <a:t>A</a:t>
             </a:r>
             <a:r>
@@ -14472,6 +14082,39 @@
             <a:r>
               <a:rPr/>
               <a:t>Simon</a:t>
+            </a:r>
+          </a:p>
+        </p:txBody>
+      </p:sp>
+      <p:sp>
+        <p:nvSpPr>
+          <p:cNvPr id="4" name="Date Placeholder 3"/>
+          <p:cNvSpPr>
+            <a:spLocks noGrp="1"/>
+          </p:cNvSpPr>
+          <p:nvPr>
+            <p:ph type="dt" sz="half" idx="10"/>
+          </p:nvPr>
+        </p:nvSpPr>
+        <p:spPr/>
+        <p:txBody>
+          <a:bodyPr/>
+          <a:lstStyle/>
+          <a:p>
+            <a:pPr lvl="0" marL="0" indent="0">
+              <a:buNone/>
+            </a:pPr>
+            <a:r>
+              <a:rPr/>
+              <a:t>Created:</a:t>
+            </a:r>
+            <a:r>
+              <a:rPr/>
+              <a:t> </a:t>
+            </a:r>
+            <a:r>
+              <a:rPr/>
+              <a:t>2019-08-24</a:t>
             </a:r>
           </a:p>
         </p:txBody>
@@ -14662,46 +14305,102 @@
           </a:p>
         </p:txBody>
       </p:sp>
+      <p:pic>
+        <p:nvPicPr>
+          <p:cNvPr descr="../images/tableau/marks-pull-down.png" id="0" name="Picture 1"/>
+          <p:cNvPicPr>
+            <a:picLocks noGrp="1" noChangeAspect="1"/>
+          </p:cNvPicPr>
+          <p:nvPr/>
+        </p:nvPicPr>
+        <p:blipFill>
+          <a:blip r:embed="rId3"/>
+          <a:stretch>
+            <a:fillRect/>
+          </a:stretch>
+        </p:blipFill>
+        <p:spPr bwMode="auto">
+          <a:xfrm>
+            <a:off x="3644900" y="1600200"/>
+            <a:ext cx="1866900" cy="4013200"/>
+          </a:xfrm>
+          <a:prstGeom prst="rect">
+            <a:avLst/>
+          </a:prstGeom>
+          <a:noFill/>
+          <a:ln w="9525">
+            <a:noFill/>
+            <a:headEnd/>
+            <a:tailEnd/>
+          </a:ln>
+        </p:spPr>
+      </p:pic>
       <p:sp>
         <p:nvSpPr>
-          <p:cNvPr id="3" name="Content Placeholder 2"/>
-          <p:cNvSpPr>
-            <a:spLocks noGrp="1"/>
-          </p:cNvSpPr>
-          <p:nvPr>
-            <p:ph idx="1"/>
-          </p:nvPr>
+          <p:cNvPr id="1" name="TextBox 3"/>
+          <p:cNvSpPr txBox="1"/>
+          <p:nvPr/>
         </p:nvSpPr>
-        <p:spPr/>
+        <p:spPr>
+          <a:xfrm>
+            <a:off x="457200" y="5613400"/>
+            <a:ext cx="8229600" cy="508000"/>
+          </a:xfrm>
+          <a:prstGeom prst="rect">
+            <a:avLst/>
+          </a:prstGeom>
+          <a:noFill/>
+        </p:spPr>
         <p:txBody>
           <a:bodyPr/>
           <a:lstStyle/>
           <a:p>
-            <a:pPr lvl="1"/>
-            <a:r>
-              <a:rPr/>
-              <a:t>Context specific</a:t>
-            </a:r>
-          </a:p>
-          <a:p>
-            <a:pPr lvl="1"/>
-            <a:r>
-              <a:rPr/>
-              <a:t>Variable classifications</a:t>
-            </a:r>
-          </a:p>
-          <a:p>
-            <a:pPr lvl="2"/>
-            <a:r>
-              <a:rPr/>
-              <a:t>Dimension, attribute, measure</a:t>
-            </a:r>
-          </a:p>
-          <a:p>
-            <a:pPr lvl="2"/>
-            <a:r>
-              <a:rPr/>
-              <a:t>Blue (categorical) versus green (continuous)</a:t>
+            <a:pPr lvl="0" marL="0" indent="0" algn="ctr">
+              <a:buNone/>
+            </a:pPr>
+            <a:r>
+              <a:rPr/>
+              <a:t>Screenshot</a:t>
+            </a:r>
+            <a:r>
+              <a:rPr/>
+              <a:t> </a:t>
+            </a:r>
+            <a:r>
+              <a:rPr/>
+              <a:t>of</a:t>
+            </a:r>
+            <a:r>
+              <a:rPr/>
+              <a:t> </a:t>
+            </a:r>
+            <a:r>
+              <a:rPr/>
+              <a:t>the</a:t>
+            </a:r>
+            <a:r>
+              <a:rPr/>
+              <a:t> </a:t>
+            </a:r>
+            <a:r>
+              <a:rPr/>
+              <a:t>Marks</a:t>
+            </a:r>
+            <a:r>
+              <a:rPr/>
+              <a:t> </a:t>
+            </a:r>
+            <a:r>
+              <a:rPr/>
+              <a:t>pulldown</a:t>
+            </a:r>
+            <a:r>
+              <a:rPr/>
+              <a:t> </a:t>
+            </a:r>
+            <a:r>
+              <a:rPr/>
+              <a:t>menu</a:t>
             </a:r>
           </a:p>
         </p:txBody>
@@ -14860,7 +14559,55 @@
             <a:pPr lvl="2"/>
             <a:r>
               <a:rPr/>
-              <a:t>alt.Chart(cars).mark_point().encode( x=‘Age’, y=‘Price’, size=Acres, shape=‘Bedrooms’, color=‘Bathrooms’)</a:t>
+              <a:t>alt.Chart(</a:t>
+            </a:r>
+            <a:r>
+              <a:rPr i="1"/>
+              <a:t>data</a:t>
+            </a:r>
+            <a:r>
+              <a:rPr/>
+              <a:t>).mark_point().encode( x=‘</a:t>
+            </a:r>
+            <a:r>
+              <a:rPr i="1"/>
+              <a:t>var1</a:t>
+            </a:r>
+            <a:r>
+              <a:rPr/>
+              <a:t>’, y=‘</a:t>
+            </a:r>
+            <a:r>
+              <a:rPr i="1"/>
+              <a:t>var2</a:t>
+            </a:r>
+            <a:r>
+              <a:rPr/>
+              <a:t>’, size=‘</a:t>
+            </a:r>
+            <a:r>
+              <a:rPr i="1"/>
+              <a:t>var3</a:t>
+            </a:r>
+            <a:r>
+              <a:rPr/>
+              <a:t>’, shape=‘</a:t>
+            </a:r>
+            <a:r>
+              <a:rPr i="1"/>
+              <a:t>var4</a:t>
+            </a:r>
+            <a:r>
+              <a:rPr/>
+              <a:t>’, color=‘</a:t>
+            </a:r>
+            <a:r>
+              <a:rPr i="1"/>
+              <a:t>var5</a:t>
+            </a:r>
+            <a:r>
+              <a:rPr/>
+              <a:t>’)</a:t>
             </a:r>
           </a:p>
         </p:txBody>
@@ -15027,14 +14774,54 @@
             </a:r>
             <a:r>
               <a:rPr/>
-              <a:t>, aes(x=Age, y=Price)) +</a:t>
+              <a:t>, aes(x=</a:t>
+            </a:r>
+            <a:r>
+              <a:rPr i="1"/>
+              <a:t>var1</a:t>
+            </a:r>
+            <a:r>
+              <a:rPr/>
+              <a:t>, y=</a:t>
+            </a:r>
+            <a:r>
+              <a:rPr i="1"/>
+              <a:t>var2</a:t>
+            </a:r>
+            <a:r>
+              <a:rPr/>
+              <a:t>)) +</a:t>
             </a:r>
           </a:p>
           <a:p>
             <a:pPr lvl="2"/>
             <a:r>
               <a:rPr/>
-              <a:t>geom_point(aes(size=Acres, shape=Bedrooms, color=Bathrooms))</a:t>
+              <a:t>geom_point(aes(size=</a:t>
+            </a:r>
+            <a:r>
+              <a:rPr i="1"/>
+              <a:t>var3</a:t>
+            </a:r>
+            <a:r>
+              <a:rPr/>
+              <a:t>, shape=</a:t>
+            </a:r>
+            <a:r>
+              <a:rPr i="1"/>
+              <a:t>var4</a:t>
+            </a:r>
+            <a:r>
+              <a:rPr/>
+              <a:t>, color=</a:t>
+            </a:r>
+            <a:r>
+              <a:rPr i="1"/>
+              <a:t>var5</a:t>
+            </a:r>
+            <a:r>
+              <a:rPr/>
+              <a:t>))</a:t>
             </a:r>
           </a:p>
         </p:txBody>
@@ -15128,7 +14915,7 @@
       </p:sp>
       <p:pic>
         <p:nvPicPr>
-          <p:cNvPr descr="../images/tableau/mapping.png" id="0" name="Picture 1"/>
+          <p:cNvPr descr="../images/tableau/marks-buttons.png" id="0" name="Picture 1"/>
           <p:cNvPicPr>
             <a:picLocks noGrp="1" noChangeAspect="1"/>
           </p:cNvPicPr>
@@ -15142,8 +14929,8 @@
         </p:blipFill>
         <p:spPr bwMode="auto">
           <a:xfrm>
-            <a:off x="558800" y="1600200"/>
-            <a:ext cx="8026400" cy="4013200"/>
+            <a:off x="3035300" y="1600200"/>
+            <a:ext cx="3086100" cy="4013200"/>
           </a:xfrm>
           <a:prstGeom prst="rect">
             <a:avLst/>
@@ -15189,31 +14976,23 @@
             </a:r>
             <a:r>
               <a:rPr/>
-              <a:t>screenshot</a:t>
-            </a:r>
-            <a:r>
-              <a:rPr/>
-              <a:t> </a:t>
-            </a:r>
-            <a:r>
-              <a:rPr/>
-              <a:t>showing</a:t>
-            </a:r>
-            <a:r>
-              <a:rPr/>
-              <a:t> </a:t>
-            </a:r>
-            <a:r>
-              <a:rPr/>
-              <a:t>aesthetics</a:t>
-            </a:r>
-            <a:r>
-              <a:rPr/>
-              <a:t> </a:t>
-            </a:r>
-            <a:r>
-              <a:rPr/>
-              <a:t>mapping</a:t>
+              <a:t>buttons</a:t>
+            </a:r>
+            <a:r>
+              <a:rPr/>
+              <a:t> </a:t>
+            </a:r>
+            <a:r>
+              <a:rPr/>
+              <a:t>below</a:t>
+            </a:r>
+            <a:r>
+              <a:rPr/>
+              <a:t> </a:t>
+            </a:r>
+            <a:r>
+              <a:rPr/>
+              <a:t>Marks</a:t>
             </a:r>
           </a:p>
         </p:txBody>

--- a/data-viz-01/component/tutorial-grammar.pptx
+++ b/data-viz-01/component/tutorial-grammar.pptx
@@ -5,7 +5,7 @@
     <p:sldMasterId id="2147483648" r:id="rId1"/>
   </p:sldMasterIdLst>
   <p:notesMasterIdLst>
-    <p:NotesMasterId r:id="rId17"/>
+    <p:NotesMasterId r:id="rId21"/>
   </p:notesMasterIdLst>
   <p:sldIdLst>
     <p:sldId id="256" r:id="rId2"/>
@@ -23,6 +23,10 @@
     <p:sldId id="268" r:id="rId14"/>
     <p:sldId id="269" r:id="rId15"/>
     <p:sldId id="270" r:id="rId16"/>
+    <p:sldId id="271" r:id="rId17"/>
+    <p:sldId id="272" r:id="rId18"/>
+    <p:sldId id="273" r:id="rId19"/>
+    <p:sldId id="274" r:id="rId20"/>
   </p:sldIdLst>
   <p:sldSz cx="9144000" cy="6858000" type="screen4x3"/>
   <p:notesSz cx="6858000" cy="9144000"/>
@@ -3673,39 +3677,7 @@
             </a:pPr>
             <a:r>
               <a:rPr/>
-              <a:t>Data</a:t>
-            </a:r>
-            <a:r>
-              <a:rPr/>
-              <a:t> </a:t>
-            </a:r>
-            <a:r>
-              <a:rPr/>
-              <a:t>visualization</a:t>
-            </a:r>
-            <a:r>
-              <a:rPr/>
-              <a:t> </a:t>
-            </a:r>
-            <a:r>
-              <a:rPr/>
-              <a:t>is</a:t>
-            </a:r>
-            <a:r>
-              <a:rPr/>
-              <a:t> </a:t>
-            </a:r>
-            <a:r>
-              <a:rPr/>
-              <a:t>a</a:t>
-            </a:r>
-            <a:r>
-              <a:rPr/>
-              <a:t> </a:t>
-            </a:r>
-            <a:r>
-              <a:rPr/>
-              <a:t>mapping</a:t>
+              <a:t>All</a:t>
             </a:r>
             <a:r>
               <a:rPr/>
@@ -3721,7 +3693,311 @@
             </a:r>
             <a:r>
               <a:rPr/>
-              <a:t>data.</a:t>
+              <a:t>these</a:t>
+            </a:r>
+            <a:r>
+              <a:rPr/>
+              <a:t> </a:t>
+            </a:r>
+            <a:r>
+              <a:rPr/>
+              <a:t>graphic</a:t>
+            </a:r>
+            <a:r>
+              <a:rPr/>
+              <a:t> </a:t>
+            </a:r>
+            <a:r>
+              <a:rPr/>
+              <a:t>packages</a:t>
+            </a:r>
+            <a:r>
+              <a:rPr/>
+              <a:t> </a:t>
+            </a:r>
+            <a:r>
+              <a:rPr/>
+              <a:t>will</a:t>
+            </a:r>
+            <a:r>
+              <a:rPr/>
+              <a:t> </a:t>
+            </a:r>
+            <a:r>
+              <a:rPr/>
+              <a:t>make</a:t>
+            </a:r>
+            <a:r>
+              <a:rPr/>
+              <a:t> </a:t>
+            </a:r>
+            <a:r>
+              <a:rPr/>
+              <a:t>assumptions</a:t>
+            </a:r>
+            <a:r>
+              <a:rPr/>
+              <a:t> </a:t>
+            </a:r>
+            <a:r>
+              <a:rPr/>
+              <a:t>about</a:t>
+            </a:r>
+            <a:r>
+              <a:rPr/>
+              <a:t> </a:t>
+            </a:r>
+            <a:r>
+              <a:rPr/>
+              <a:t>what</a:t>
+            </a:r>
+            <a:r>
+              <a:rPr/>
+              <a:t> </a:t>
+            </a:r>
+            <a:r>
+              <a:rPr/>
+              <a:t>the</a:t>
+            </a:r>
+            <a:r>
+              <a:rPr/>
+              <a:t> </a:t>
+            </a:r>
+            <a:r>
+              <a:rPr/>
+              <a:t>data</a:t>
+            </a:r>
+            <a:r>
+              <a:rPr/>
+              <a:t> </a:t>
+            </a:r>
+            <a:r>
+              <a:rPr/>
+              <a:t>represents,</a:t>
+            </a:r>
+            <a:r>
+              <a:rPr/>
+              <a:t> </a:t>
+            </a:r>
+            <a:r>
+              <a:rPr/>
+              <a:t>and</a:t>
+            </a:r>
+            <a:r>
+              <a:rPr/>
+              <a:t> </a:t>
+            </a:r>
+            <a:r>
+              <a:rPr/>
+              <a:t>set</a:t>
+            </a:r>
+            <a:r>
+              <a:rPr/>
+              <a:t> </a:t>
+            </a:r>
+            <a:r>
+              <a:rPr/>
+              <a:t>certain</a:t>
+            </a:r>
+            <a:r>
+              <a:rPr/>
+              <a:t> </a:t>
+            </a:r>
+            <a:r>
+              <a:rPr/>
+              <a:t>default</a:t>
+            </a:r>
+            <a:r>
+              <a:rPr/>
+              <a:t> </a:t>
+            </a:r>
+            <a:r>
+              <a:rPr/>
+              <a:t>graphic</a:t>
+            </a:r>
+            <a:r>
+              <a:rPr/>
+              <a:t> </a:t>
+            </a:r>
+            <a:r>
+              <a:rPr/>
+              <a:t>types</a:t>
+            </a:r>
+            <a:r>
+              <a:rPr/>
+              <a:t> </a:t>
+            </a:r>
+            <a:r>
+              <a:rPr/>
+              <a:t>on</a:t>
+            </a:r>
+            <a:r>
+              <a:rPr/>
+              <a:t> </a:t>
+            </a:r>
+            <a:r>
+              <a:rPr/>
+              <a:t>the</a:t>
+            </a:r>
+            <a:r>
+              <a:rPr/>
+              <a:t> </a:t>
+            </a:r>
+            <a:r>
+              <a:rPr/>
+              <a:t>basis</a:t>
+            </a:r>
+            <a:r>
+              <a:rPr/>
+              <a:t> </a:t>
+            </a:r>
+            <a:r>
+              <a:rPr/>
+              <a:t>of</a:t>
+            </a:r>
+            <a:r>
+              <a:rPr/>
+              <a:t> </a:t>
+            </a:r>
+            <a:r>
+              <a:rPr/>
+              <a:t>these</a:t>
+            </a:r>
+            <a:r>
+              <a:rPr/>
+              <a:t> </a:t>
+            </a:r>
+            <a:r>
+              <a:rPr/>
+              <a:t>guesses.</a:t>
+            </a:r>
+            <a:r>
+              <a:rPr/>
+              <a:t> </a:t>
+            </a:r>
+            <a:r>
+              <a:rPr/>
+              <a:t>Those</a:t>
+            </a:r>
+            <a:r>
+              <a:rPr/>
+              <a:t> </a:t>
+            </a:r>
+            <a:r>
+              <a:rPr/>
+              <a:t>choices</a:t>
+            </a:r>
+            <a:r>
+              <a:rPr/>
+              <a:t> </a:t>
+            </a:r>
+            <a:r>
+              <a:rPr/>
+              <a:t>are</a:t>
+            </a:r>
+            <a:r>
+              <a:rPr/>
+              <a:t> </a:t>
+            </a:r>
+            <a:r>
+              <a:rPr/>
+              <a:t>usally</a:t>
+            </a:r>
+            <a:r>
+              <a:rPr/>
+              <a:t> </a:t>
+            </a:r>
+            <a:r>
+              <a:rPr/>
+              <a:t>good,</a:t>
+            </a:r>
+            <a:r>
+              <a:rPr/>
+              <a:t> </a:t>
+            </a:r>
+            <a:r>
+              <a:rPr/>
+              <a:t>but</a:t>
+            </a:r>
+            <a:r>
+              <a:rPr/>
+              <a:t> </a:t>
+            </a:r>
+            <a:r>
+              <a:rPr/>
+              <a:t>when</a:t>
+            </a:r>
+            <a:r>
+              <a:rPr/>
+              <a:t> </a:t>
+            </a:r>
+            <a:r>
+              <a:rPr/>
+              <a:t>they</a:t>
+            </a:r>
+            <a:r>
+              <a:rPr/>
+              <a:t> </a:t>
+            </a:r>
+            <a:r>
+              <a:rPr/>
+              <a:t>are</a:t>
+            </a:r>
+            <a:r>
+              <a:rPr/>
+              <a:t> </a:t>
+            </a:r>
+            <a:r>
+              <a:rPr/>
+              <a:t>not,</a:t>
+            </a:r>
+            <a:r>
+              <a:rPr/>
+              <a:t> </a:t>
+            </a:r>
+            <a:r>
+              <a:rPr/>
+              <a:t>then</a:t>
+            </a:r>
+            <a:r>
+              <a:rPr/>
+              <a:t> </a:t>
+            </a:r>
+            <a:r>
+              <a:rPr/>
+              <a:t>you</a:t>
+            </a:r>
+            <a:r>
+              <a:rPr/>
+              <a:t> </a:t>
+            </a:r>
+            <a:r>
+              <a:rPr/>
+              <a:t>can</a:t>
+            </a:r>
+            <a:r>
+              <a:rPr/>
+              <a:t> </a:t>
+            </a:r>
+            <a:r>
+              <a:rPr/>
+              <a:t>override</a:t>
+            </a:r>
+            <a:r>
+              <a:rPr/>
+              <a:t> </a:t>
+            </a:r>
+            <a:r>
+              <a:rPr/>
+              <a:t>these</a:t>
+            </a:r>
+            <a:r>
+              <a:rPr/>
+              <a:t> </a:t>
+            </a:r>
+            <a:r>
+              <a:rPr/>
+              <a:t>guesses.</a:t>
             </a:r>
           </a:p>
           <a:p>
@@ -3735,103 +4011,47 @@
             </a:pPr>
             <a:r>
               <a:rPr/>
-              <a:t>Geometries/marks</a:t>
-            </a:r>
-            <a:r>
-              <a:rPr/>
-              <a:t> </a:t>
-            </a:r>
-            <a:r>
-              <a:rPr/>
-              <a:t>include</a:t>
-            </a:r>
-            <a:r>
-              <a:rPr/>
-              <a:t> </a:t>
-            </a:r>
-            <a:r>
-              <a:rPr/>
-              <a:t>points,</a:t>
-            </a:r>
-            <a:r>
-              <a:rPr/>
-              <a:t> </a:t>
-            </a:r>
-            <a:r>
-              <a:rPr/>
-              <a:t>bars,</a:t>
-            </a:r>
-            <a:r>
-              <a:rPr/>
-              <a:t> </a:t>
-            </a:r>
-            <a:r>
-              <a:rPr/>
-              <a:t>and</a:t>
-            </a:r>
-            <a:r>
-              <a:rPr/>
-              <a:t> </a:t>
-            </a:r>
-            <a:r>
-              <a:rPr/>
-              <a:t>lines.</a:t>
-            </a:r>
-            <a:r>
-              <a:rPr/>
-              <a:t> </a:t>
-            </a:r>
-            <a:r>
-              <a:rPr/>
-              <a:t>Aesthetics</a:t>
-            </a:r>
-            <a:r>
-              <a:rPr/>
-              <a:t> </a:t>
-            </a:r>
-            <a:r>
-              <a:rPr/>
-              <a:t>include</a:t>
-            </a:r>
-            <a:r>
-              <a:rPr/>
-              <a:t> </a:t>
-            </a:r>
-            <a:r>
-              <a:rPr/>
-              <a:t>location,</a:t>
-            </a:r>
-            <a:r>
-              <a:rPr/>
-              <a:t> </a:t>
-            </a:r>
-            <a:r>
-              <a:rPr/>
-              <a:t>size,</a:t>
-            </a:r>
-            <a:r>
-              <a:rPr/>
-              <a:t> </a:t>
-            </a:r>
-            <a:r>
-              <a:rPr/>
-              <a:t>shape,</a:t>
-            </a:r>
-            <a:r>
-              <a:rPr/>
-              <a:t> </a:t>
-            </a:r>
-            <a:r>
-              <a:rPr/>
-              <a:t>and</a:t>
-            </a:r>
-            <a:r>
-              <a:rPr/>
-              <a:t> </a:t>
-            </a:r>
-            <a:r>
-              <a:rPr/>
-              <a:t>color.</a:t>
+              <a:t>In</a:t>
+            </a:r>
+            <a:r>
+              <a:rPr/>
+              <a:t> </a:t>
+            </a:r>
+            <a:r>
+              <a:rPr/>
+              <a:t>Altair/Python,</a:t>
+            </a:r>
+            <a:r>
+              <a:rPr/>
+              <a:t> </a:t>
+            </a:r>
+            <a:r>
+              <a:rPr/>
+              <a:t>you</a:t>
+            </a:r>
+            <a:r>
+              <a:rPr/>
+              <a:t> </a:t>
+            </a:r>
+            <a:r>
+              <a:rPr/>
+              <a:t>use</a:t>
+            </a:r>
+            <a:r>
+              <a:rPr/>
+              <a:t> </a:t>
+            </a:r>
+            <a:r>
+              <a:rPr/>
+              <a:t>letter</a:t>
+            </a:r>
+            <a:r>
+              <a:rPr/>
+              <a:t> </a:t>
+            </a:r>
+            <a:r>
+              <a:rPr/>
+              <a:t>codes.</a:t>
             </a:r>
           </a:p>
           <a:p>
@@ -3845,87 +4065,601 @@
             </a:pPr>
             <a:r>
               <a:rPr/>
-              <a:t>These</a:t>
-            </a:r>
-            <a:r>
-              <a:rPr/>
-              <a:t> </a:t>
-            </a:r>
-            <a:r>
-              <a:rPr/>
-              <a:t>ideas</a:t>
-            </a:r>
-            <a:r>
-              <a:rPr/>
-              <a:t> </a:t>
-            </a:r>
-            <a:r>
-              <a:rPr/>
-              <a:t>are</a:t>
-            </a:r>
-            <a:r>
-              <a:rPr/>
-              <a:t> </a:t>
-            </a:r>
-            <a:r>
-              <a:rPr/>
-              <a:t>implemented</a:t>
-            </a:r>
-            <a:r>
-              <a:rPr/>
-              <a:t> </a:t>
-            </a:r>
-            <a:r>
-              <a:rPr/>
-              <a:t>in</a:t>
-            </a:r>
-            <a:r>
-              <a:rPr/>
-              <a:t> </a:t>
-            </a:r>
-            <a:r>
-              <a:rPr/>
-              <a:t>R</a:t>
-            </a:r>
-            <a:r>
-              <a:rPr/>
-              <a:t> </a:t>
-            </a:r>
-            <a:r>
-              <a:rPr/>
-              <a:t>(ggplot2),</a:t>
-            </a:r>
-            <a:r>
-              <a:rPr/>
-              <a:t> </a:t>
-            </a:r>
-            <a:r>
-              <a:rPr/>
-              <a:t>Python</a:t>
-            </a:r>
-            <a:r>
-              <a:rPr/>
-              <a:t> </a:t>
-            </a:r>
-            <a:r>
-              <a:rPr/>
-              <a:t>(Altair),</a:t>
-            </a:r>
-            <a:r>
-              <a:rPr/>
-              <a:t> </a:t>
-            </a:r>
-            <a:r>
-              <a:rPr/>
-              <a:t>and</a:t>
-            </a:r>
-            <a:r>
-              <a:rPr/>
-              <a:t> </a:t>
-            </a:r>
-            <a:r>
-              <a:rPr/>
-              <a:t>Tableau.</a:t>
+              <a:t>The</a:t>
+            </a:r>
+            <a:r>
+              <a:rPr/>
+              <a:t> </a:t>
+            </a:r>
+            <a:r>
+              <a:rPr/>
+              <a:t>letter</a:t>
+            </a:r>
+            <a:r>
+              <a:rPr/>
+              <a:t> </a:t>
+            </a:r>
+            <a:r>
+              <a:rPr/>
+              <a:t>Q</a:t>
+            </a:r>
+            <a:r>
+              <a:rPr/>
+              <a:t> </a:t>
+            </a:r>
+            <a:r>
+              <a:rPr/>
+              <a:t>(quantitative)</a:t>
+            </a:r>
+            <a:r>
+              <a:rPr/>
+              <a:t> </a:t>
+            </a:r>
+            <a:r>
+              <a:rPr/>
+              <a:t>will</a:t>
+            </a:r>
+            <a:r>
+              <a:rPr/>
+              <a:t> </a:t>
+            </a:r>
+            <a:r>
+              <a:rPr/>
+              <a:t>tell</a:t>
+            </a:r>
+            <a:r>
+              <a:rPr/>
+              <a:t> </a:t>
+            </a:r>
+            <a:r>
+              <a:rPr/>
+              <a:t>the</a:t>
+            </a:r>
+            <a:r>
+              <a:rPr/>
+              <a:t> </a:t>
+            </a:r>
+            <a:r>
+              <a:rPr/>
+              <a:t>system</a:t>
+            </a:r>
+            <a:r>
+              <a:rPr/>
+              <a:t> </a:t>
+            </a:r>
+            <a:r>
+              <a:rPr/>
+              <a:t>that</a:t>
+            </a:r>
+            <a:r>
+              <a:rPr/>
+              <a:t> </a:t>
+            </a:r>
+            <a:r>
+              <a:rPr/>
+              <a:t>you</a:t>
+            </a:r>
+            <a:r>
+              <a:rPr/>
+              <a:t> </a:t>
+            </a:r>
+            <a:r>
+              <a:rPr/>
+              <a:t>want</a:t>
+            </a:r>
+            <a:r>
+              <a:rPr/>
+              <a:t> </a:t>
+            </a:r>
+            <a:r>
+              <a:rPr/>
+              <a:t>to</a:t>
+            </a:r>
+            <a:r>
+              <a:rPr/>
+              <a:t> </a:t>
+            </a:r>
+            <a:r>
+              <a:rPr/>
+              <a:t>treat</a:t>
+            </a:r>
+            <a:r>
+              <a:rPr/>
+              <a:t> </a:t>
+            </a:r>
+            <a:r>
+              <a:rPr/>
+              <a:t>this</a:t>
+            </a:r>
+            <a:r>
+              <a:rPr/>
+              <a:t> </a:t>
+            </a:r>
+            <a:r>
+              <a:rPr/>
+              <a:t>variable</a:t>
+            </a:r>
+            <a:r>
+              <a:rPr/>
+              <a:t> </a:t>
+            </a:r>
+            <a:r>
+              <a:rPr/>
+              <a:t>as</a:t>
+            </a:r>
+            <a:r>
+              <a:rPr/>
+              <a:t> </a:t>
+            </a:r>
+            <a:r>
+              <a:rPr/>
+              <a:t>continuous.</a:t>
+            </a:r>
+          </a:p>
+          <a:p>
+            <a:pPr lvl="0" marL="0" indent="0">
+              <a:buNone/>
+            </a:pPr>
+          </a:p>
+          <a:p>
+            <a:pPr lvl="0" marL="0" indent="0">
+              <a:buNone/>
+            </a:pPr>
+            <a:r>
+              <a:rPr/>
+              <a:t>The</a:t>
+            </a:r>
+            <a:r>
+              <a:rPr/>
+              <a:t> </a:t>
+            </a:r>
+            <a:r>
+              <a:rPr/>
+              <a:t>letter</a:t>
+            </a:r>
+            <a:r>
+              <a:rPr/>
+              <a:t> </a:t>
+            </a:r>
+            <a:r>
+              <a:rPr/>
+              <a:t>O</a:t>
+            </a:r>
+            <a:r>
+              <a:rPr/>
+              <a:t> </a:t>
+            </a:r>
+            <a:r>
+              <a:rPr/>
+              <a:t>(Ordinal)</a:t>
+            </a:r>
+            <a:r>
+              <a:rPr/>
+              <a:t> </a:t>
+            </a:r>
+            <a:r>
+              <a:rPr/>
+              <a:t>will</a:t>
+            </a:r>
+            <a:r>
+              <a:rPr/>
+              <a:t> </a:t>
+            </a:r>
+            <a:r>
+              <a:rPr/>
+              <a:t>tell</a:t>
+            </a:r>
+            <a:r>
+              <a:rPr/>
+              <a:t> </a:t>
+            </a:r>
+            <a:r>
+              <a:rPr/>
+              <a:t>the</a:t>
+            </a:r>
+            <a:r>
+              <a:rPr/>
+              <a:t> </a:t>
+            </a:r>
+            <a:r>
+              <a:rPr/>
+              <a:t>system</a:t>
+            </a:r>
+            <a:r>
+              <a:rPr/>
+              <a:t> </a:t>
+            </a:r>
+            <a:r>
+              <a:rPr/>
+              <a:t>that</a:t>
+            </a:r>
+            <a:r>
+              <a:rPr/>
+              <a:t> </a:t>
+            </a:r>
+            <a:r>
+              <a:rPr/>
+              <a:t>you</a:t>
+            </a:r>
+            <a:r>
+              <a:rPr/>
+              <a:t> </a:t>
+            </a:r>
+            <a:r>
+              <a:rPr/>
+              <a:t>want</a:t>
+            </a:r>
+            <a:r>
+              <a:rPr/>
+              <a:t> </a:t>
+            </a:r>
+            <a:r>
+              <a:rPr/>
+              <a:t>to</a:t>
+            </a:r>
+            <a:r>
+              <a:rPr/>
+              <a:t> </a:t>
+            </a:r>
+            <a:r>
+              <a:rPr/>
+              <a:t>treat</a:t>
+            </a:r>
+            <a:r>
+              <a:rPr/>
+              <a:t> </a:t>
+            </a:r>
+            <a:r>
+              <a:rPr/>
+              <a:t>this</a:t>
+            </a:r>
+            <a:r>
+              <a:rPr/>
+              <a:t> </a:t>
+            </a:r>
+            <a:r>
+              <a:rPr/>
+              <a:t>variable</a:t>
+            </a:r>
+            <a:r>
+              <a:rPr/>
+              <a:t> </a:t>
+            </a:r>
+            <a:r>
+              <a:rPr/>
+              <a:t>as</a:t>
+            </a:r>
+            <a:r>
+              <a:rPr/>
+              <a:t> </a:t>
+            </a:r>
+            <a:r>
+              <a:rPr/>
+              <a:t>ordered</a:t>
+            </a:r>
+            <a:r>
+              <a:rPr/>
+              <a:t> </a:t>
+            </a:r>
+            <a:r>
+              <a:rPr/>
+              <a:t>categories.</a:t>
+            </a:r>
+          </a:p>
+          <a:p>
+            <a:pPr lvl="0" marL="0" indent="0">
+              <a:buNone/>
+            </a:pPr>
+          </a:p>
+          <a:p>
+            <a:pPr lvl="0" marL="0" indent="0">
+              <a:buNone/>
+            </a:pPr>
+            <a:r>
+              <a:rPr/>
+              <a:t>The</a:t>
+            </a:r>
+            <a:r>
+              <a:rPr/>
+              <a:t> </a:t>
+            </a:r>
+            <a:r>
+              <a:rPr/>
+              <a:t>letter</a:t>
+            </a:r>
+            <a:r>
+              <a:rPr/>
+              <a:t> </a:t>
+            </a:r>
+            <a:r>
+              <a:rPr/>
+              <a:t>N</a:t>
+            </a:r>
+            <a:r>
+              <a:rPr/>
+              <a:t> </a:t>
+            </a:r>
+            <a:r>
+              <a:rPr/>
+              <a:t>(Nomina)</a:t>
+            </a:r>
+            <a:r>
+              <a:rPr/>
+              <a:t> </a:t>
+            </a:r>
+            <a:r>
+              <a:rPr/>
+              <a:t>will</a:t>
+            </a:r>
+            <a:r>
+              <a:rPr/>
+              <a:t> </a:t>
+            </a:r>
+            <a:r>
+              <a:rPr/>
+              <a:t>tell</a:t>
+            </a:r>
+            <a:r>
+              <a:rPr/>
+              <a:t> </a:t>
+            </a:r>
+            <a:r>
+              <a:rPr/>
+              <a:t>the</a:t>
+            </a:r>
+            <a:r>
+              <a:rPr/>
+              <a:t> </a:t>
+            </a:r>
+            <a:r>
+              <a:rPr/>
+              <a:t>system</a:t>
+            </a:r>
+            <a:r>
+              <a:rPr/>
+              <a:t> </a:t>
+            </a:r>
+            <a:r>
+              <a:rPr/>
+              <a:t>that</a:t>
+            </a:r>
+            <a:r>
+              <a:rPr/>
+              <a:t> </a:t>
+            </a:r>
+            <a:r>
+              <a:rPr/>
+              <a:t>you</a:t>
+            </a:r>
+            <a:r>
+              <a:rPr/>
+              <a:t> </a:t>
+            </a:r>
+            <a:r>
+              <a:rPr/>
+              <a:t>want</a:t>
+            </a:r>
+            <a:r>
+              <a:rPr/>
+              <a:t> </a:t>
+            </a:r>
+            <a:r>
+              <a:rPr/>
+              <a:t>to</a:t>
+            </a:r>
+            <a:r>
+              <a:rPr/>
+              <a:t> </a:t>
+            </a:r>
+            <a:r>
+              <a:rPr/>
+              <a:t>treat</a:t>
+            </a:r>
+            <a:r>
+              <a:rPr/>
+              <a:t> </a:t>
+            </a:r>
+            <a:r>
+              <a:rPr/>
+              <a:t>this</a:t>
+            </a:r>
+            <a:r>
+              <a:rPr/>
+              <a:t> </a:t>
+            </a:r>
+            <a:r>
+              <a:rPr/>
+              <a:t>variable</a:t>
+            </a:r>
+            <a:r>
+              <a:rPr/>
+              <a:t> </a:t>
+            </a:r>
+            <a:r>
+              <a:rPr/>
+              <a:t>as</a:t>
+            </a:r>
+            <a:r>
+              <a:rPr/>
+              <a:t> </a:t>
+            </a:r>
+            <a:r>
+              <a:rPr/>
+              <a:t>unordered</a:t>
+            </a:r>
+            <a:r>
+              <a:rPr/>
+              <a:t> </a:t>
+            </a:r>
+            <a:r>
+              <a:rPr/>
+              <a:t>categories.</a:t>
+            </a:r>
+          </a:p>
+          <a:p>
+            <a:pPr lvl="0" marL="0" indent="0">
+              <a:buNone/>
+            </a:pPr>
+          </a:p>
+          <a:p>
+            <a:pPr lvl="0" marL="0" indent="0">
+              <a:buNone/>
+            </a:pPr>
+            <a:r>
+              <a:rPr/>
+              <a:t>The</a:t>
+            </a:r>
+            <a:r>
+              <a:rPr/>
+              <a:t> </a:t>
+            </a:r>
+            <a:r>
+              <a:rPr/>
+              <a:t>letter</a:t>
+            </a:r>
+            <a:r>
+              <a:rPr/>
+              <a:t> </a:t>
+            </a:r>
+            <a:r>
+              <a:rPr/>
+              <a:t>T</a:t>
+            </a:r>
+            <a:r>
+              <a:rPr/>
+              <a:t> </a:t>
+            </a:r>
+            <a:r>
+              <a:rPr/>
+              <a:t>(Temporal)</a:t>
+            </a:r>
+            <a:r>
+              <a:rPr/>
+              <a:t> </a:t>
+            </a:r>
+            <a:r>
+              <a:rPr/>
+              <a:t>will</a:t>
+            </a:r>
+            <a:r>
+              <a:rPr/>
+              <a:t> </a:t>
+            </a:r>
+            <a:r>
+              <a:rPr/>
+              <a:t>tell</a:t>
+            </a:r>
+            <a:r>
+              <a:rPr/>
+              <a:t> </a:t>
+            </a:r>
+            <a:r>
+              <a:rPr/>
+              <a:t>the</a:t>
+            </a:r>
+            <a:r>
+              <a:rPr/>
+              <a:t> </a:t>
+            </a:r>
+            <a:r>
+              <a:rPr/>
+              <a:t>system</a:t>
+            </a:r>
+            <a:r>
+              <a:rPr/>
+              <a:t> </a:t>
+            </a:r>
+            <a:r>
+              <a:rPr/>
+              <a:t>that</a:t>
+            </a:r>
+            <a:r>
+              <a:rPr/>
+              <a:t> </a:t>
+            </a:r>
+            <a:r>
+              <a:rPr/>
+              <a:t>you</a:t>
+            </a:r>
+            <a:r>
+              <a:rPr/>
+              <a:t> </a:t>
+            </a:r>
+            <a:r>
+              <a:rPr/>
+              <a:t>want</a:t>
+            </a:r>
+            <a:r>
+              <a:rPr/>
+              <a:t> </a:t>
+            </a:r>
+            <a:r>
+              <a:rPr/>
+              <a:t>to</a:t>
+            </a:r>
+            <a:r>
+              <a:rPr/>
+              <a:t> </a:t>
+            </a:r>
+            <a:r>
+              <a:rPr/>
+              <a:t>treat</a:t>
+            </a:r>
+            <a:r>
+              <a:rPr/>
+              <a:t> </a:t>
+            </a:r>
+            <a:r>
+              <a:rPr/>
+              <a:t>this</a:t>
+            </a:r>
+            <a:r>
+              <a:rPr/>
+              <a:t> </a:t>
+            </a:r>
+            <a:r>
+              <a:rPr/>
+              <a:t>variable</a:t>
+            </a:r>
+            <a:r>
+              <a:rPr/>
+              <a:t> </a:t>
+            </a:r>
+            <a:r>
+              <a:rPr/>
+              <a:t>as</a:t>
+            </a:r>
+            <a:r>
+              <a:rPr/>
+              <a:t> </a:t>
+            </a:r>
+            <a:r>
+              <a:rPr/>
+              <a:t>a</a:t>
+            </a:r>
+            <a:r>
+              <a:rPr/>
+              <a:t> </a:t>
+            </a:r>
+            <a:r>
+              <a:rPr/>
+              <a:t>measure</a:t>
+            </a:r>
+            <a:r>
+              <a:rPr/>
+              <a:t> </a:t>
+            </a:r>
+            <a:r>
+              <a:rPr/>
+              <a:t>of</a:t>
+            </a:r>
+            <a:r>
+              <a:rPr/>
+              <a:t> </a:t>
+            </a:r>
+            <a:r>
+              <a:rPr/>
+              <a:t>time.</a:t>
             </a:r>
           </a:p>
         </p:txBody>
@@ -3948,6 +4682,1952 @@
             <a:fld id="{18BDFEC3-8487-43E8-A154-7C12CBC1FFF2}" type="slidenum">
               <a:rPr lang="en-US"/>
               <a:t>15</a:t>
+            </a:fld>
+            <a:endParaRPr lang="en-US"/>
+          </a:p>
+        </p:txBody>
+      </p:sp>
+    </p:spTree>
+  </p:cSld>
+</p:notes>
+</file>
+
+<file path=ppt/notesSlides/notesSlide15.xml><?xml version="1.0" encoding="utf-8"?>
+<p:notes xmlns:a="http://schemas.openxmlformats.org/drawingml/2006/main" xmlns:r="http://schemas.openxmlformats.org/officeDocument/2006/relationships" xmlns:p="http://schemas.openxmlformats.org/presentationml/2006/main">
+  <p:cSld>
+    <p:spTree>
+      <p:nvGrpSpPr>
+        <p:cNvPr id="1" name=""/>
+        <p:cNvGrpSpPr/>
+        <p:nvPr/>
+      </p:nvGrpSpPr>
+      <p:grpSpPr>
+        <a:xfrm>
+          <a:off x="0" y="0"/>
+          <a:ext cx="0" cy="0"/>
+          <a:chOff x="0" y="0"/>
+          <a:chExt cx="0" cy="0"/>
+        </a:xfrm>
+      </p:grpSpPr>
+      <p:sp>
+        <p:nvSpPr>
+          <p:cNvPr id="2" name="Slide Image Placeholder 1"/>
+          <p:cNvSpPr>
+            <a:spLocks noGrp="1" noRot="1" noChangeAspect="1"/>
+          </p:cNvSpPr>
+          <p:nvPr>
+            <p:ph type="sldImg"/>
+          </p:nvPr>
+        </p:nvSpPr>
+        <p:spPr/>
+      </p:sp>
+      <p:sp>
+        <p:nvSpPr>
+          <p:cNvPr id="3" name="Notes Placeholder 2"/>
+          <p:cNvSpPr>
+            <a:spLocks noGrp="1"/>
+          </p:cNvSpPr>
+          <p:nvPr>
+            <p:ph type="body" idx="1"/>
+          </p:nvPr>
+        </p:nvSpPr>
+        <p:spPr/>
+        <p:txBody>
+          <a:bodyPr/>
+          <a:lstStyle/>
+          <a:p>
+            <a:pPr lvl="0" marL="0" indent="0">
+              <a:buNone/>
+            </a:pPr>
+            <a:r>
+              <a:rPr/>
+              <a:t>There</a:t>
+            </a:r>
+            <a:r>
+              <a:rPr/>
+              <a:t> </a:t>
+            </a:r>
+            <a:r>
+              <a:rPr/>
+              <a:t>are</a:t>
+            </a:r>
+            <a:r>
+              <a:rPr/>
+              <a:t> </a:t>
+            </a:r>
+            <a:r>
+              <a:rPr/>
+              <a:t>lots</a:t>
+            </a:r>
+            <a:r>
+              <a:rPr/>
+              <a:t> </a:t>
+            </a:r>
+            <a:r>
+              <a:rPr/>
+              <a:t>of</a:t>
+            </a:r>
+            <a:r>
+              <a:rPr/>
+              <a:t> </a:t>
+            </a:r>
+            <a:r>
+              <a:rPr/>
+              <a:t>conversion</a:t>
+            </a:r>
+            <a:r>
+              <a:rPr/>
+              <a:t> </a:t>
+            </a:r>
+            <a:r>
+              <a:rPr/>
+              <a:t>functions</a:t>
+            </a:r>
+            <a:r>
+              <a:rPr/>
+              <a:t> </a:t>
+            </a:r>
+            <a:r>
+              <a:rPr/>
+              <a:t>in</a:t>
+            </a:r>
+            <a:r>
+              <a:rPr/>
+              <a:t> </a:t>
+            </a:r>
+            <a:r>
+              <a:rPr/>
+              <a:t>R,</a:t>
+            </a:r>
+            <a:r>
+              <a:rPr/>
+              <a:t> </a:t>
+            </a:r>
+            <a:r>
+              <a:rPr/>
+              <a:t>and</a:t>
+            </a:r>
+            <a:r>
+              <a:rPr/>
+              <a:t> </a:t>
+            </a:r>
+            <a:r>
+              <a:rPr/>
+              <a:t>it</a:t>
+            </a:r>
+            <a:r>
+              <a:rPr/>
+              <a:t> </a:t>
+            </a:r>
+            <a:r>
+              <a:rPr/>
+              <a:t>beyond</a:t>
+            </a:r>
+            <a:r>
+              <a:rPr/>
+              <a:t> </a:t>
+            </a:r>
+            <a:r>
+              <a:rPr/>
+              <a:t>the</a:t>
+            </a:r>
+            <a:r>
+              <a:rPr/>
+              <a:t> </a:t>
+            </a:r>
+            <a:r>
+              <a:rPr/>
+              <a:t>scope</a:t>
+            </a:r>
+            <a:r>
+              <a:rPr/>
+              <a:t> </a:t>
+            </a:r>
+            <a:r>
+              <a:rPr/>
+              <a:t>of</a:t>
+            </a:r>
+            <a:r>
+              <a:rPr/>
+              <a:t> </a:t>
+            </a:r>
+            <a:r>
+              <a:rPr/>
+              <a:t>the</a:t>
+            </a:r>
+            <a:r>
+              <a:rPr/>
+              <a:t> </a:t>
+            </a:r>
+            <a:r>
+              <a:rPr/>
+              <a:t>class</a:t>
+            </a:r>
+            <a:r>
+              <a:rPr/>
+              <a:t> </a:t>
+            </a:r>
+            <a:r>
+              <a:rPr/>
+              <a:t>to</a:t>
+            </a:r>
+            <a:r>
+              <a:rPr/>
+              <a:t> </a:t>
+            </a:r>
+            <a:r>
+              <a:rPr/>
+              <a:t>cover</a:t>
+            </a:r>
+            <a:r>
+              <a:rPr/>
+              <a:t> </a:t>
+            </a:r>
+            <a:r>
+              <a:rPr/>
+              <a:t>them.</a:t>
+            </a:r>
+            <a:r>
+              <a:rPr/>
+              <a:t> </a:t>
+            </a:r>
+            <a:r>
+              <a:rPr/>
+              <a:t>But</a:t>
+            </a:r>
+            <a:r>
+              <a:rPr/>
+              <a:t> </a:t>
+            </a:r>
+            <a:r>
+              <a:rPr/>
+              <a:t>sometimes</a:t>
+            </a:r>
+            <a:r>
+              <a:rPr/>
+              <a:t> </a:t>
+            </a:r>
+            <a:r>
+              <a:rPr/>
+              <a:t>you</a:t>
+            </a:r>
+            <a:r>
+              <a:rPr/>
+              <a:t> </a:t>
+            </a:r>
+            <a:r>
+              <a:rPr/>
+              <a:t>will</a:t>
+            </a:r>
+            <a:r>
+              <a:rPr/>
+              <a:t> </a:t>
+            </a:r>
+            <a:r>
+              <a:rPr/>
+              <a:t>find</a:t>
+            </a:r>
+            <a:r>
+              <a:rPr/>
+              <a:t> </a:t>
+            </a:r>
+            <a:r>
+              <a:rPr/>
+              <a:t>in</a:t>
+            </a:r>
+            <a:r>
+              <a:rPr/>
+              <a:t> </a:t>
+            </a:r>
+            <a:r>
+              <a:rPr/>
+              <a:t>R</a:t>
+            </a:r>
+            <a:r>
+              <a:rPr/>
+              <a:t> </a:t>
+            </a:r>
+            <a:r>
+              <a:rPr/>
+              <a:t>that</a:t>
+            </a:r>
+            <a:r>
+              <a:rPr/>
+              <a:t> </a:t>
+            </a:r>
+            <a:r>
+              <a:rPr/>
+              <a:t>you</a:t>
+            </a:r>
+            <a:r>
+              <a:rPr/>
+              <a:t> </a:t>
+            </a:r>
+            <a:r>
+              <a:rPr/>
+              <a:t>need</a:t>
+            </a:r>
+            <a:r>
+              <a:rPr/>
+              <a:t> </a:t>
+            </a:r>
+            <a:r>
+              <a:rPr/>
+              <a:t>to</a:t>
+            </a:r>
+            <a:r>
+              <a:rPr/>
+              <a:t> </a:t>
+            </a:r>
+            <a:r>
+              <a:rPr/>
+              <a:t>convert</a:t>
+            </a:r>
+            <a:r>
+              <a:rPr/>
+              <a:t> </a:t>
+            </a:r>
+            <a:r>
+              <a:rPr/>
+              <a:t>the</a:t>
+            </a:r>
+            <a:r>
+              <a:rPr/>
+              <a:t> </a:t>
+            </a:r>
+            <a:r>
+              <a:rPr/>
+              <a:t>variable</a:t>
+            </a:r>
+            <a:r>
+              <a:rPr/>
+              <a:t> </a:t>
+            </a:r>
+            <a:r>
+              <a:rPr/>
+              <a:t>type</a:t>
+            </a:r>
+            <a:r>
+              <a:rPr/>
+              <a:t> </a:t>
+            </a:r>
+            <a:r>
+              <a:rPr/>
+              <a:t>before</a:t>
+            </a:r>
+            <a:r>
+              <a:rPr/>
+              <a:t> </a:t>
+            </a:r>
+            <a:r>
+              <a:rPr/>
+              <a:t>you</a:t>
+            </a:r>
+            <a:r>
+              <a:rPr/>
+              <a:t> </a:t>
+            </a:r>
+            <a:r>
+              <a:rPr/>
+              <a:t>do</a:t>
+            </a:r>
+            <a:r>
+              <a:rPr/>
+              <a:t> </a:t>
+            </a:r>
+            <a:r>
+              <a:rPr/>
+              <a:t>certain</a:t>
+            </a:r>
+            <a:r>
+              <a:rPr/>
+              <a:t> </a:t>
+            </a:r>
+            <a:r>
+              <a:rPr/>
+              <a:t>analyses.</a:t>
+            </a:r>
+            <a:r>
+              <a:rPr/>
+              <a:t> </a:t>
+            </a:r>
+            <a:r>
+              <a:rPr/>
+              <a:t>If</a:t>
+            </a:r>
+            <a:r>
+              <a:rPr/>
+              <a:t> </a:t>
+            </a:r>
+            <a:r>
+              <a:rPr/>
+              <a:t>you</a:t>
+            </a:r>
+            <a:r>
+              <a:rPr/>
+              <a:t> </a:t>
+            </a:r>
+            <a:r>
+              <a:rPr/>
+              <a:t>want</a:t>
+            </a:r>
+            <a:r>
+              <a:rPr/>
+              <a:t> </a:t>
+            </a:r>
+            <a:r>
+              <a:rPr/>
+              <a:t>to</a:t>
+            </a:r>
+            <a:r>
+              <a:rPr/>
+              <a:t> </a:t>
+            </a:r>
+            <a:r>
+              <a:rPr/>
+              <a:t>represent</a:t>
+            </a:r>
+            <a:r>
+              <a:rPr/>
+              <a:t> </a:t>
+            </a:r>
+            <a:r>
+              <a:rPr/>
+              <a:t>a</a:t>
+            </a:r>
+            <a:r>
+              <a:rPr/>
+              <a:t> </a:t>
+            </a:r>
+            <a:r>
+              <a:rPr/>
+              <a:t>variable</a:t>
+            </a:r>
+            <a:r>
+              <a:rPr/>
+              <a:t> </a:t>
+            </a:r>
+            <a:r>
+              <a:rPr/>
+              <a:t>as</a:t>
+            </a:r>
+            <a:r>
+              <a:rPr/>
+              <a:t> </a:t>
+            </a:r>
+            <a:r>
+              <a:rPr/>
+              <a:t>continuous,</a:t>
+            </a:r>
+            <a:r>
+              <a:rPr/>
+              <a:t> </a:t>
+            </a:r>
+            <a:r>
+              <a:rPr/>
+              <a:t>the</a:t>
+            </a:r>
+            <a:r>
+              <a:rPr/>
+              <a:t> </a:t>
+            </a:r>
+            <a:r>
+              <a:rPr/>
+              <a:t>as.numeric</a:t>
+            </a:r>
+            <a:r>
+              <a:rPr/>
+              <a:t> </a:t>
+            </a:r>
+            <a:r>
+              <a:rPr/>
+              <a:t>function</a:t>
+            </a:r>
+            <a:r>
+              <a:rPr/>
+              <a:t> </a:t>
+            </a:r>
+            <a:r>
+              <a:rPr/>
+              <a:t>will</a:t>
+            </a:r>
+            <a:r>
+              <a:rPr/>
+              <a:t> </a:t>
+            </a:r>
+            <a:r>
+              <a:rPr/>
+              <a:t>often</a:t>
+            </a:r>
+            <a:r>
+              <a:rPr/>
+              <a:t> </a:t>
+            </a:r>
+            <a:r>
+              <a:rPr/>
+              <a:t>do</a:t>
+            </a:r>
+            <a:r>
+              <a:rPr/>
+              <a:t> </a:t>
+            </a:r>
+            <a:r>
+              <a:rPr/>
+              <a:t>the</a:t>
+            </a:r>
+            <a:r>
+              <a:rPr/>
+              <a:t> </a:t>
+            </a:r>
+            <a:r>
+              <a:rPr/>
+              <a:t>trick.</a:t>
+            </a:r>
+            <a:r>
+              <a:rPr/>
+              <a:t> </a:t>
+            </a:r>
+            <a:r>
+              <a:rPr/>
+              <a:t>If</a:t>
+            </a:r>
+            <a:r>
+              <a:rPr/>
+              <a:t> </a:t>
+            </a:r>
+            <a:r>
+              <a:rPr/>
+              <a:t>you</a:t>
+            </a:r>
+            <a:r>
+              <a:rPr/>
+              <a:t> </a:t>
+            </a:r>
+            <a:r>
+              <a:rPr/>
+              <a:t>want</a:t>
+            </a:r>
+            <a:r>
+              <a:rPr/>
+              <a:t> </a:t>
+            </a:r>
+            <a:r>
+              <a:rPr/>
+              <a:t>to</a:t>
+            </a:r>
+            <a:r>
+              <a:rPr/>
+              <a:t> </a:t>
+            </a:r>
+            <a:r>
+              <a:rPr/>
+              <a:t>represent</a:t>
+            </a:r>
+            <a:r>
+              <a:rPr/>
+              <a:t> </a:t>
+            </a:r>
+            <a:r>
+              <a:rPr/>
+              <a:t>a</a:t>
+            </a:r>
+            <a:r>
+              <a:rPr/>
+              <a:t> </a:t>
+            </a:r>
+            <a:r>
+              <a:rPr/>
+              <a:t>variable</a:t>
+            </a:r>
+            <a:r>
+              <a:rPr/>
+              <a:t> </a:t>
+            </a:r>
+            <a:r>
+              <a:rPr/>
+              <a:t>as</a:t>
+            </a:r>
+            <a:r>
+              <a:rPr/>
+              <a:t> </a:t>
+            </a:r>
+            <a:r>
+              <a:rPr/>
+              <a:t>categorical,</a:t>
+            </a:r>
+            <a:r>
+              <a:rPr/>
+              <a:t> </a:t>
+            </a:r>
+            <a:r>
+              <a:rPr/>
+              <a:t>then</a:t>
+            </a:r>
+            <a:r>
+              <a:rPr/>
+              <a:t> </a:t>
+            </a:r>
+            <a:r>
+              <a:rPr/>
+              <a:t>try</a:t>
+            </a:r>
+            <a:r>
+              <a:rPr/>
+              <a:t> </a:t>
+            </a:r>
+            <a:r>
+              <a:rPr/>
+              <a:t>the</a:t>
+            </a:r>
+            <a:r>
+              <a:rPr/>
+              <a:t> </a:t>
+            </a:r>
+            <a:r>
+              <a:rPr/>
+              <a:t>as.character</a:t>
+            </a:r>
+            <a:r>
+              <a:rPr/>
+              <a:t> </a:t>
+            </a:r>
+            <a:r>
+              <a:rPr/>
+              <a:t>or</a:t>
+            </a:r>
+            <a:r>
+              <a:rPr/>
+              <a:t> </a:t>
+            </a:r>
+            <a:r>
+              <a:rPr/>
+              <a:t>as.factor</a:t>
+            </a:r>
+            <a:r>
+              <a:rPr/>
+              <a:t> </a:t>
+            </a:r>
+            <a:r>
+              <a:rPr/>
+              <a:t>functions.</a:t>
+            </a:r>
+            <a:r>
+              <a:rPr/>
+              <a:t> </a:t>
+            </a:r>
+            <a:r>
+              <a:rPr/>
+              <a:t>For</a:t>
+            </a:r>
+            <a:r>
+              <a:rPr/>
+              <a:t> </a:t>
+            </a:r>
+            <a:r>
+              <a:rPr/>
+              <a:t>temporal</a:t>
+            </a:r>
+            <a:r>
+              <a:rPr/>
+              <a:t> </a:t>
+            </a:r>
+            <a:r>
+              <a:rPr/>
+              <a:t>data,</a:t>
+            </a:r>
+            <a:r>
+              <a:rPr/>
+              <a:t> </a:t>
+            </a:r>
+            <a:r>
+              <a:rPr/>
+              <a:t>try</a:t>
+            </a:r>
+            <a:r>
+              <a:rPr/>
+              <a:t> </a:t>
+            </a:r>
+            <a:r>
+              <a:rPr/>
+              <a:t>the</a:t>
+            </a:r>
+            <a:r>
+              <a:rPr/>
+              <a:t> </a:t>
+            </a:r>
+            <a:r>
+              <a:rPr/>
+              <a:t>as.Date</a:t>
+            </a:r>
+            <a:r>
+              <a:rPr/>
+              <a:t> </a:t>
+            </a:r>
+            <a:r>
+              <a:rPr/>
+              <a:t>function.</a:t>
+            </a:r>
+          </a:p>
+        </p:txBody>
+      </p:sp>
+      <p:sp>
+        <p:nvSpPr>
+          <p:cNvPr id="4" name="Slide Number Placeholder 3"/>
+          <p:cNvSpPr>
+            <a:spLocks noGrp="1"/>
+          </p:cNvSpPr>
+          <p:nvPr>
+            <p:ph type="sldNum" sz="quarter" idx="10"/>
+          </p:nvPr>
+        </p:nvSpPr>
+        <p:spPr/>
+        <p:txBody>
+          <a:bodyPr/>
+          <a:lstStyle/>
+          <a:p>
+            <a:fld id="{18BDFEC3-8487-43E8-A154-7C12CBC1FFF2}" type="slidenum">
+              <a:rPr lang="en-US"/>
+              <a:t>16</a:t>
+            </a:fld>
+            <a:endParaRPr lang="en-US"/>
+          </a:p>
+        </p:txBody>
+      </p:sp>
+    </p:spTree>
+  </p:cSld>
+</p:notes>
+</file>
+
+<file path=ppt/notesSlides/notesSlide16.xml><?xml version="1.0" encoding="utf-8"?>
+<p:notes xmlns:a="http://schemas.openxmlformats.org/drawingml/2006/main" xmlns:r="http://schemas.openxmlformats.org/officeDocument/2006/relationships" xmlns:p="http://schemas.openxmlformats.org/presentationml/2006/main">
+  <p:cSld>
+    <p:spTree>
+      <p:nvGrpSpPr>
+        <p:cNvPr id="1" name=""/>
+        <p:cNvGrpSpPr/>
+        <p:nvPr/>
+      </p:nvGrpSpPr>
+      <p:grpSpPr>
+        <a:xfrm>
+          <a:off x="0" y="0"/>
+          <a:ext cx="0" cy="0"/>
+          <a:chOff x="0" y="0"/>
+          <a:chExt cx="0" cy="0"/>
+        </a:xfrm>
+      </p:grpSpPr>
+      <p:sp>
+        <p:nvSpPr>
+          <p:cNvPr id="2" name="Slide Image Placeholder 1"/>
+          <p:cNvSpPr>
+            <a:spLocks noGrp="1" noRot="1" noChangeAspect="1"/>
+          </p:cNvSpPr>
+          <p:nvPr>
+            <p:ph type="sldImg"/>
+          </p:nvPr>
+        </p:nvSpPr>
+        <p:spPr/>
+      </p:sp>
+      <p:sp>
+        <p:nvSpPr>
+          <p:cNvPr id="3" name="Notes Placeholder 2"/>
+          <p:cNvSpPr>
+            <a:spLocks noGrp="1"/>
+          </p:cNvSpPr>
+          <p:nvPr>
+            <p:ph type="body" idx="1"/>
+          </p:nvPr>
+        </p:nvSpPr>
+        <p:spPr/>
+        <p:txBody>
+          <a:bodyPr/>
+          <a:lstStyle/>
+          <a:p>
+            <a:pPr lvl="0" marL="0" indent="0">
+              <a:buNone/>
+            </a:pPr>
+            <a:r>
+              <a:rPr/>
+              <a:t>In</a:t>
+            </a:r>
+            <a:r>
+              <a:rPr/>
+              <a:t> </a:t>
+            </a:r>
+            <a:r>
+              <a:rPr/>
+              <a:t>Tableau,</a:t>
+            </a:r>
+            <a:r>
+              <a:rPr/>
+              <a:t> </a:t>
+            </a:r>
+            <a:r>
+              <a:rPr/>
+              <a:t>use</a:t>
+            </a:r>
+            <a:r>
+              <a:rPr/>
+              <a:t> </a:t>
+            </a:r>
+            <a:r>
+              <a:rPr/>
+              <a:t>Dimension</a:t>
+            </a:r>
+            <a:r>
+              <a:rPr/>
+              <a:t> </a:t>
+            </a:r>
+            <a:r>
+              <a:rPr/>
+              <a:t>Discrete</a:t>
+            </a:r>
+            <a:r>
+              <a:rPr/>
+              <a:t> </a:t>
+            </a:r>
+            <a:r>
+              <a:rPr/>
+              <a:t>to</a:t>
+            </a:r>
+            <a:r>
+              <a:rPr/>
+              <a:t> </a:t>
+            </a:r>
+            <a:r>
+              <a:rPr/>
+              <a:t>designate</a:t>
+            </a:r>
+            <a:r>
+              <a:rPr/>
+              <a:t> </a:t>
+            </a:r>
+            <a:r>
+              <a:rPr/>
+              <a:t>catergorical</a:t>
+            </a:r>
+            <a:r>
+              <a:rPr/>
+              <a:t> </a:t>
+            </a:r>
+            <a:r>
+              <a:rPr/>
+              <a:t>data.</a:t>
+            </a:r>
+            <a:r>
+              <a:rPr/>
+              <a:t> </a:t>
+            </a:r>
+            <a:r>
+              <a:rPr/>
+              <a:t>The</a:t>
+            </a:r>
+            <a:r>
+              <a:rPr/>
+              <a:t> </a:t>
+            </a:r>
+            <a:r>
+              <a:rPr/>
+              <a:t>color</a:t>
+            </a:r>
+            <a:r>
+              <a:rPr/>
+              <a:t> </a:t>
+            </a:r>
+            <a:r>
+              <a:rPr/>
+              <a:t>of</a:t>
+            </a:r>
+            <a:r>
+              <a:rPr/>
+              <a:t> </a:t>
+            </a:r>
+            <a:r>
+              <a:rPr/>
+              <a:t>the</a:t>
+            </a:r>
+            <a:r>
+              <a:rPr/>
+              <a:t> </a:t>
+            </a:r>
+            <a:r>
+              <a:rPr/>
+              <a:t>“</a:t>
+            </a:r>
+            <a:r>
+              <a:rPr/>
+              <a:t>pill</a:t>
+            </a:r>
+            <a:r>
+              <a:rPr/>
+              <a:t>”</a:t>
+            </a:r>
+            <a:r>
+              <a:rPr/>
+              <a:t> </a:t>
+            </a:r>
+            <a:r>
+              <a:rPr/>
+              <a:t>for</a:t>
+            </a:r>
+            <a:r>
+              <a:rPr/>
+              <a:t> </a:t>
+            </a:r>
+            <a:r>
+              <a:rPr/>
+              <a:t>your</a:t>
+            </a:r>
+            <a:r>
+              <a:rPr/>
+              <a:t> </a:t>
+            </a:r>
+            <a:r>
+              <a:rPr/>
+              <a:t>variable</a:t>
+            </a:r>
+            <a:r>
+              <a:rPr/>
+              <a:t> </a:t>
+            </a:r>
+            <a:r>
+              <a:rPr/>
+              <a:t>will</a:t>
+            </a:r>
+            <a:r>
+              <a:rPr/>
+              <a:t> </a:t>
+            </a:r>
+            <a:r>
+              <a:rPr/>
+              <a:t>change</a:t>
+            </a:r>
+            <a:r>
+              <a:rPr/>
+              <a:t> </a:t>
+            </a:r>
+            <a:r>
+              <a:rPr/>
+              <a:t>to</a:t>
+            </a:r>
+            <a:r>
+              <a:rPr/>
+              <a:t> </a:t>
+            </a:r>
+            <a:r>
+              <a:rPr/>
+              <a:t>blue</a:t>
+            </a:r>
+            <a:r>
+              <a:rPr/>
+              <a:t> </a:t>
+            </a:r>
+            <a:r>
+              <a:rPr/>
+              <a:t>when</a:t>
+            </a:r>
+            <a:r>
+              <a:rPr/>
+              <a:t> </a:t>
+            </a:r>
+            <a:r>
+              <a:rPr/>
+              <a:t>you</a:t>
+            </a:r>
+            <a:r>
+              <a:rPr/>
+              <a:t> </a:t>
+            </a:r>
+            <a:r>
+              <a:rPr/>
+              <a:t>make</a:t>
+            </a:r>
+            <a:r>
+              <a:rPr/>
+              <a:t> </a:t>
+            </a:r>
+            <a:r>
+              <a:rPr/>
+              <a:t>this</a:t>
+            </a:r>
+            <a:r>
+              <a:rPr/>
+              <a:t> </a:t>
+            </a:r>
+            <a:r>
+              <a:rPr/>
+              <a:t>choice.</a:t>
+            </a:r>
+            <a:r>
+              <a:rPr/>
+              <a:t> </a:t>
+            </a:r>
+            <a:r>
+              <a:rPr/>
+              <a:t>Use</a:t>
+            </a:r>
+            <a:r>
+              <a:rPr/>
+              <a:t> </a:t>
+            </a:r>
+            <a:r>
+              <a:rPr/>
+              <a:t>Dimension</a:t>
+            </a:r>
+            <a:r>
+              <a:rPr/>
+              <a:t> </a:t>
+            </a:r>
+            <a:r>
+              <a:rPr/>
+              <a:t>Continuous</a:t>
+            </a:r>
+            <a:r>
+              <a:rPr/>
+              <a:t> </a:t>
+            </a:r>
+            <a:r>
+              <a:rPr/>
+              <a:t>for</a:t>
+            </a:r>
+            <a:r>
+              <a:rPr/>
+              <a:t> </a:t>
+            </a:r>
+            <a:r>
+              <a:rPr/>
+              <a:t>continuous</a:t>
+            </a:r>
+            <a:r>
+              <a:rPr/>
+              <a:t> </a:t>
+            </a:r>
+            <a:r>
+              <a:rPr/>
+              <a:t>data.</a:t>
+            </a:r>
+            <a:r>
+              <a:rPr/>
+              <a:t> </a:t>
+            </a:r>
+            <a:r>
+              <a:rPr/>
+              <a:t>The</a:t>
+            </a:r>
+            <a:r>
+              <a:rPr/>
+              <a:t> </a:t>
+            </a:r>
+            <a:r>
+              <a:rPr/>
+              <a:t>color</a:t>
+            </a:r>
+            <a:r>
+              <a:rPr/>
+              <a:t> </a:t>
+            </a:r>
+            <a:r>
+              <a:rPr/>
+              <a:t>of</a:t>
+            </a:r>
+            <a:r>
+              <a:rPr/>
+              <a:t> </a:t>
+            </a:r>
+            <a:r>
+              <a:rPr/>
+              <a:t>the</a:t>
+            </a:r>
+            <a:r>
+              <a:rPr/>
+              <a:t> </a:t>
+            </a:r>
+            <a:r>
+              <a:rPr/>
+              <a:t>“</a:t>
+            </a:r>
+            <a:r>
+              <a:rPr/>
+              <a:t>pill</a:t>
+            </a:r>
+            <a:r>
+              <a:rPr/>
+              <a:t>”</a:t>
+            </a:r>
+            <a:r>
+              <a:rPr/>
+              <a:t> </a:t>
+            </a:r>
+            <a:r>
+              <a:rPr/>
+              <a:t>for</a:t>
+            </a:r>
+            <a:r>
+              <a:rPr/>
+              <a:t> </a:t>
+            </a:r>
+            <a:r>
+              <a:rPr/>
+              <a:t>your</a:t>
+            </a:r>
+            <a:r>
+              <a:rPr/>
+              <a:t> </a:t>
+            </a:r>
+            <a:r>
+              <a:rPr/>
+              <a:t>variable</a:t>
+            </a:r>
+            <a:r>
+              <a:rPr/>
+              <a:t> </a:t>
+            </a:r>
+            <a:r>
+              <a:rPr/>
+              <a:t>will</a:t>
+            </a:r>
+            <a:r>
+              <a:rPr/>
+              <a:t> </a:t>
+            </a:r>
+            <a:r>
+              <a:rPr/>
+              <a:t>change</a:t>
+            </a:r>
+            <a:r>
+              <a:rPr/>
+              <a:t> </a:t>
+            </a:r>
+            <a:r>
+              <a:rPr/>
+              <a:t>to</a:t>
+            </a:r>
+            <a:r>
+              <a:rPr/>
+              <a:t> </a:t>
+            </a:r>
+            <a:r>
+              <a:rPr/>
+              <a:t>green</a:t>
+            </a:r>
+            <a:r>
+              <a:rPr/>
+              <a:t> </a:t>
+            </a:r>
+            <a:r>
+              <a:rPr/>
+              <a:t>when</a:t>
+            </a:r>
+            <a:r>
+              <a:rPr/>
+              <a:t> </a:t>
+            </a:r>
+            <a:r>
+              <a:rPr/>
+              <a:t>you</a:t>
+            </a:r>
+            <a:r>
+              <a:rPr/>
+              <a:t> </a:t>
+            </a:r>
+            <a:r>
+              <a:rPr/>
+              <a:t>make</a:t>
+            </a:r>
+            <a:r>
+              <a:rPr/>
+              <a:t> </a:t>
+            </a:r>
+            <a:r>
+              <a:rPr/>
+              <a:t>this</a:t>
+            </a:r>
+            <a:r>
+              <a:rPr/>
+              <a:t> </a:t>
+            </a:r>
+            <a:r>
+              <a:rPr/>
+              <a:t>choice.</a:t>
+            </a:r>
+          </a:p>
+          <a:p>
+            <a:pPr lvl="0" marL="0" indent="0">
+              <a:buNone/>
+            </a:pPr>
+          </a:p>
+          <a:p>
+            <a:pPr lvl="0" marL="0" indent="0">
+              <a:buNone/>
+            </a:pPr>
+            <a:r>
+              <a:rPr/>
+              <a:t>Use</a:t>
+            </a:r>
+            <a:r>
+              <a:rPr/>
+              <a:t> </a:t>
+            </a:r>
+            <a:r>
+              <a:rPr/>
+              <a:t>Measure</a:t>
+            </a:r>
+            <a:r>
+              <a:rPr/>
+              <a:t> </a:t>
+            </a:r>
+            <a:r>
+              <a:rPr/>
+              <a:t>when</a:t>
+            </a:r>
+            <a:r>
+              <a:rPr/>
+              <a:t> </a:t>
+            </a:r>
+            <a:r>
+              <a:rPr/>
+              <a:t>you</a:t>
+            </a:r>
+            <a:r>
+              <a:rPr/>
+              <a:t> </a:t>
+            </a:r>
+            <a:r>
+              <a:rPr/>
+              <a:t>want</a:t>
+            </a:r>
+            <a:r>
+              <a:rPr/>
+              <a:t> </a:t>
+            </a:r>
+            <a:r>
+              <a:rPr/>
+              <a:t>to</a:t>
+            </a:r>
+            <a:r>
+              <a:rPr/>
+              <a:t> </a:t>
+            </a:r>
+            <a:r>
+              <a:rPr/>
+              <a:t>display</a:t>
+            </a:r>
+            <a:r>
+              <a:rPr/>
+              <a:t> </a:t>
+            </a:r>
+            <a:r>
+              <a:rPr/>
+              <a:t>not</a:t>
+            </a:r>
+            <a:r>
+              <a:rPr/>
+              <a:t> </a:t>
+            </a:r>
+            <a:r>
+              <a:rPr/>
+              <a:t>the</a:t>
+            </a:r>
+            <a:r>
+              <a:rPr/>
+              <a:t> </a:t>
+            </a:r>
+            <a:r>
+              <a:rPr/>
+              <a:t>invidual</a:t>
+            </a:r>
+            <a:r>
+              <a:rPr/>
+              <a:t> </a:t>
+            </a:r>
+            <a:r>
+              <a:rPr/>
+              <a:t>values</a:t>
+            </a:r>
+            <a:r>
+              <a:rPr/>
+              <a:t> </a:t>
+            </a:r>
+            <a:r>
+              <a:rPr/>
+              <a:t>within</a:t>
+            </a:r>
+            <a:r>
+              <a:rPr/>
+              <a:t> </a:t>
+            </a:r>
+            <a:r>
+              <a:rPr/>
+              <a:t>a</a:t>
+            </a:r>
+            <a:r>
+              <a:rPr/>
+              <a:t> </a:t>
+            </a:r>
+            <a:r>
+              <a:rPr/>
+              <a:t>group</a:t>
+            </a:r>
+            <a:r>
+              <a:rPr/>
+              <a:t> </a:t>
+            </a:r>
+            <a:r>
+              <a:rPr/>
+              <a:t>but</a:t>
+            </a:r>
+            <a:r>
+              <a:rPr/>
+              <a:t> </a:t>
+            </a:r>
+            <a:r>
+              <a:rPr/>
+              <a:t>rather</a:t>
+            </a:r>
+            <a:r>
+              <a:rPr/>
+              <a:t> </a:t>
+            </a:r>
+            <a:r>
+              <a:rPr/>
+              <a:t>an</a:t>
+            </a:r>
+            <a:r>
+              <a:rPr/>
+              <a:t> </a:t>
+            </a:r>
+            <a:r>
+              <a:rPr/>
+              <a:t>aggregate</a:t>
+            </a:r>
+            <a:r>
+              <a:rPr/>
+              <a:t> </a:t>
+            </a:r>
+            <a:r>
+              <a:rPr/>
+              <a:t>or</a:t>
+            </a:r>
+            <a:r>
+              <a:rPr/>
+              <a:t> </a:t>
+            </a:r>
+            <a:r>
+              <a:rPr/>
+              <a:t>summary</a:t>
+            </a:r>
+            <a:r>
+              <a:rPr/>
+              <a:t> </a:t>
+            </a:r>
+            <a:r>
+              <a:rPr/>
+              <a:t>statistic,</a:t>
+            </a:r>
+            <a:r>
+              <a:rPr/>
+              <a:t> </a:t>
+            </a:r>
+            <a:r>
+              <a:rPr/>
+              <a:t>such</a:t>
+            </a:r>
+            <a:r>
+              <a:rPr/>
+              <a:t> </a:t>
+            </a:r>
+            <a:r>
+              <a:rPr/>
+              <a:t>as</a:t>
+            </a:r>
+            <a:r>
+              <a:rPr/>
+              <a:t> </a:t>
+            </a:r>
+            <a:r>
+              <a:rPr/>
+              <a:t>a</a:t>
+            </a:r>
+            <a:r>
+              <a:rPr/>
+              <a:t> </a:t>
+            </a:r>
+            <a:r>
+              <a:rPr/>
+              <a:t>mean</a:t>
+            </a:r>
+            <a:r>
+              <a:rPr/>
+              <a:t> </a:t>
+            </a:r>
+            <a:r>
+              <a:rPr/>
+              <a:t>or</a:t>
+            </a:r>
+            <a:r>
+              <a:rPr/>
+              <a:t> </a:t>
+            </a:r>
+            <a:r>
+              <a:rPr/>
+              <a:t>a</a:t>
+            </a:r>
+            <a:r>
+              <a:rPr/>
+              <a:t> </a:t>
+            </a:r>
+            <a:r>
+              <a:rPr/>
+              <a:t>count.</a:t>
+            </a:r>
+          </a:p>
+        </p:txBody>
+      </p:sp>
+      <p:sp>
+        <p:nvSpPr>
+          <p:cNvPr id="4" name="Slide Number Placeholder 3"/>
+          <p:cNvSpPr>
+            <a:spLocks noGrp="1"/>
+          </p:cNvSpPr>
+          <p:nvPr>
+            <p:ph type="sldNum" sz="quarter" idx="10"/>
+          </p:nvPr>
+        </p:nvSpPr>
+        <p:spPr/>
+        <p:txBody>
+          <a:bodyPr/>
+          <a:lstStyle/>
+          <a:p>
+            <a:fld id="{18BDFEC3-8487-43E8-A154-7C12CBC1FFF2}" type="slidenum">
+              <a:rPr lang="en-US"/>
+              <a:t>17</a:t>
+            </a:fld>
+            <a:endParaRPr lang="en-US"/>
+          </a:p>
+        </p:txBody>
+      </p:sp>
+    </p:spTree>
+  </p:cSld>
+</p:notes>
+</file>
+
+<file path=ppt/notesSlides/notesSlide17.xml><?xml version="1.0" encoding="utf-8"?>
+<p:notes xmlns:a="http://schemas.openxmlformats.org/drawingml/2006/main" xmlns:r="http://schemas.openxmlformats.org/officeDocument/2006/relationships" xmlns:p="http://schemas.openxmlformats.org/presentationml/2006/main">
+  <p:cSld>
+    <p:spTree>
+      <p:nvGrpSpPr>
+        <p:cNvPr id="1" name=""/>
+        <p:cNvGrpSpPr/>
+        <p:nvPr/>
+      </p:nvGrpSpPr>
+      <p:grpSpPr>
+        <a:xfrm>
+          <a:off x="0" y="0"/>
+          <a:ext cx="0" cy="0"/>
+          <a:chOff x="0" y="0"/>
+          <a:chExt cx="0" cy="0"/>
+        </a:xfrm>
+      </p:grpSpPr>
+      <p:sp>
+        <p:nvSpPr>
+          <p:cNvPr id="2" name="Slide Image Placeholder 1"/>
+          <p:cNvSpPr>
+            <a:spLocks noGrp="1" noRot="1" noChangeAspect="1"/>
+          </p:cNvSpPr>
+          <p:nvPr>
+            <p:ph type="sldImg"/>
+          </p:nvPr>
+        </p:nvSpPr>
+        <p:spPr/>
+      </p:sp>
+      <p:sp>
+        <p:nvSpPr>
+          <p:cNvPr id="3" name="Notes Placeholder 2"/>
+          <p:cNvSpPr>
+            <a:spLocks noGrp="1"/>
+          </p:cNvSpPr>
+          <p:nvPr>
+            <p:ph type="body" idx="1"/>
+          </p:nvPr>
+        </p:nvSpPr>
+        <p:spPr/>
+        <p:txBody>
+          <a:bodyPr/>
+          <a:lstStyle/>
+          <a:p>
+            <a:pPr lvl="0" marL="0" indent="0">
+              <a:buNone/>
+            </a:pPr>
+            <a:r>
+              <a:rPr/>
+              <a:t>This</a:t>
+            </a:r>
+            <a:r>
+              <a:rPr/>
+              <a:t> </a:t>
+            </a:r>
+            <a:r>
+              <a:rPr/>
+              <a:t>image</a:t>
+            </a:r>
+            <a:r>
+              <a:rPr/>
+              <a:t> </a:t>
+            </a:r>
+            <a:r>
+              <a:rPr/>
+              <a:t>shows</a:t>
+            </a:r>
+            <a:r>
+              <a:rPr/>
+              <a:t> </a:t>
+            </a:r>
+            <a:r>
+              <a:rPr/>
+              <a:t>the</a:t>
+            </a:r>
+            <a:r>
+              <a:rPr/>
+              <a:t> </a:t>
+            </a:r>
+            <a:r>
+              <a:rPr/>
+              <a:t>pull</a:t>
+            </a:r>
+            <a:r>
+              <a:rPr/>
+              <a:t> </a:t>
+            </a:r>
+            <a:r>
+              <a:rPr/>
+              <a:t>down</a:t>
+            </a:r>
+            <a:r>
+              <a:rPr/>
+              <a:t> </a:t>
+            </a:r>
+            <a:r>
+              <a:rPr/>
+              <a:t>menu</a:t>
+            </a:r>
+            <a:r>
+              <a:rPr/>
+              <a:t> </a:t>
+            </a:r>
+            <a:r>
+              <a:rPr/>
+              <a:t>for</a:t>
+            </a:r>
+            <a:r>
+              <a:rPr/>
+              <a:t> </a:t>
+            </a:r>
+            <a:r>
+              <a:rPr/>
+              <a:t>a</a:t>
+            </a:r>
+            <a:r>
+              <a:rPr/>
+              <a:t> </a:t>
+            </a:r>
+            <a:r>
+              <a:rPr/>
+              <a:t>variable</a:t>
+            </a:r>
+            <a:r>
+              <a:rPr/>
+              <a:t> </a:t>
+            </a:r>
+            <a:r>
+              <a:rPr/>
+              <a:t>with</a:t>
+            </a:r>
+            <a:r>
+              <a:rPr/>
+              <a:t> </a:t>
+            </a:r>
+            <a:r>
+              <a:rPr/>
+              <a:t>the</a:t>
+            </a:r>
+            <a:r>
+              <a:rPr/>
+              <a:t> </a:t>
+            </a:r>
+            <a:r>
+              <a:rPr/>
+              <a:t>choices</a:t>
+            </a:r>
+            <a:r>
+              <a:rPr/>
+              <a:t> </a:t>
+            </a:r>
+            <a:r>
+              <a:rPr/>
+              <a:t>you</a:t>
+            </a:r>
+            <a:r>
+              <a:rPr/>
+              <a:t> </a:t>
+            </a:r>
+            <a:r>
+              <a:rPr/>
+              <a:t>get.</a:t>
+            </a:r>
+          </a:p>
+        </p:txBody>
+      </p:sp>
+      <p:sp>
+        <p:nvSpPr>
+          <p:cNvPr id="4" name="Slide Number Placeholder 3"/>
+          <p:cNvSpPr>
+            <a:spLocks noGrp="1"/>
+          </p:cNvSpPr>
+          <p:nvPr>
+            <p:ph type="sldNum" sz="quarter" idx="10"/>
+          </p:nvPr>
+        </p:nvSpPr>
+        <p:spPr/>
+        <p:txBody>
+          <a:bodyPr/>
+          <a:lstStyle/>
+          <a:p>
+            <a:fld id="{18BDFEC3-8487-43E8-A154-7C12CBC1FFF2}" type="slidenum">
+              <a:rPr lang="en-US"/>
+              <a:t>18</a:t>
+            </a:fld>
+            <a:endParaRPr lang="en-US"/>
+          </a:p>
+        </p:txBody>
+      </p:sp>
+    </p:spTree>
+  </p:cSld>
+</p:notes>
+</file>
+
+<file path=ppt/notesSlides/notesSlide18.xml><?xml version="1.0" encoding="utf-8"?>
+<p:notes xmlns:a="http://schemas.openxmlformats.org/drawingml/2006/main" xmlns:r="http://schemas.openxmlformats.org/officeDocument/2006/relationships" xmlns:p="http://schemas.openxmlformats.org/presentationml/2006/main">
+  <p:cSld>
+    <p:spTree>
+      <p:nvGrpSpPr>
+        <p:cNvPr id="1" name=""/>
+        <p:cNvGrpSpPr/>
+        <p:nvPr/>
+      </p:nvGrpSpPr>
+      <p:grpSpPr>
+        <a:xfrm>
+          <a:off x="0" y="0"/>
+          <a:ext cx="0" cy="0"/>
+          <a:chOff x="0" y="0"/>
+          <a:chExt cx="0" cy="0"/>
+        </a:xfrm>
+      </p:grpSpPr>
+      <p:sp>
+        <p:nvSpPr>
+          <p:cNvPr id="2" name="Slide Image Placeholder 1"/>
+          <p:cNvSpPr>
+            <a:spLocks noGrp="1" noRot="1" noChangeAspect="1"/>
+          </p:cNvSpPr>
+          <p:nvPr>
+            <p:ph type="sldImg"/>
+          </p:nvPr>
+        </p:nvSpPr>
+        <p:spPr/>
+      </p:sp>
+      <p:sp>
+        <p:nvSpPr>
+          <p:cNvPr id="3" name="Notes Placeholder 2"/>
+          <p:cNvSpPr>
+            <a:spLocks noGrp="1"/>
+          </p:cNvSpPr>
+          <p:nvPr>
+            <p:ph type="body" idx="1"/>
+          </p:nvPr>
+        </p:nvSpPr>
+        <p:spPr/>
+        <p:txBody>
+          <a:bodyPr/>
+          <a:lstStyle/>
+          <a:p>
+            <a:pPr lvl="0" marL="0" indent="0">
+              <a:buNone/>
+            </a:pPr>
+            <a:r>
+              <a:rPr/>
+              <a:t>Data</a:t>
+            </a:r>
+            <a:r>
+              <a:rPr/>
+              <a:t> </a:t>
+            </a:r>
+            <a:r>
+              <a:rPr/>
+              <a:t>visualization</a:t>
+            </a:r>
+            <a:r>
+              <a:rPr/>
+              <a:t> </a:t>
+            </a:r>
+            <a:r>
+              <a:rPr/>
+              <a:t>is</a:t>
+            </a:r>
+            <a:r>
+              <a:rPr/>
+              <a:t> </a:t>
+            </a:r>
+            <a:r>
+              <a:rPr/>
+              <a:t>a</a:t>
+            </a:r>
+            <a:r>
+              <a:rPr/>
+              <a:t> </a:t>
+            </a:r>
+            <a:r>
+              <a:rPr/>
+              <a:t>mapping</a:t>
+            </a:r>
+            <a:r>
+              <a:rPr/>
+              <a:t> </a:t>
+            </a:r>
+            <a:r>
+              <a:rPr/>
+              <a:t>of</a:t>
+            </a:r>
+            <a:r>
+              <a:rPr/>
+              <a:t> </a:t>
+            </a:r>
+            <a:r>
+              <a:rPr/>
+              <a:t>data.</a:t>
+            </a:r>
+          </a:p>
+          <a:p>
+            <a:pPr lvl="0" marL="0" indent="0">
+              <a:buNone/>
+            </a:pPr>
+          </a:p>
+          <a:p>
+            <a:pPr lvl="0" marL="0" indent="0">
+              <a:buNone/>
+            </a:pPr>
+            <a:r>
+              <a:rPr/>
+              <a:t>Geometries/marks</a:t>
+            </a:r>
+            <a:r>
+              <a:rPr/>
+              <a:t> </a:t>
+            </a:r>
+            <a:r>
+              <a:rPr/>
+              <a:t>include</a:t>
+            </a:r>
+            <a:r>
+              <a:rPr/>
+              <a:t> </a:t>
+            </a:r>
+            <a:r>
+              <a:rPr/>
+              <a:t>points,</a:t>
+            </a:r>
+            <a:r>
+              <a:rPr/>
+              <a:t> </a:t>
+            </a:r>
+            <a:r>
+              <a:rPr/>
+              <a:t>bars,</a:t>
+            </a:r>
+            <a:r>
+              <a:rPr/>
+              <a:t> </a:t>
+            </a:r>
+            <a:r>
+              <a:rPr/>
+              <a:t>and</a:t>
+            </a:r>
+            <a:r>
+              <a:rPr/>
+              <a:t> </a:t>
+            </a:r>
+            <a:r>
+              <a:rPr/>
+              <a:t>lines.</a:t>
+            </a:r>
+            <a:r>
+              <a:rPr/>
+              <a:t> </a:t>
+            </a:r>
+            <a:r>
+              <a:rPr/>
+              <a:t>Aesthetics</a:t>
+            </a:r>
+            <a:r>
+              <a:rPr/>
+              <a:t> </a:t>
+            </a:r>
+            <a:r>
+              <a:rPr/>
+              <a:t>include</a:t>
+            </a:r>
+            <a:r>
+              <a:rPr/>
+              <a:t> </a:t>
+            </a:r>
+            <a:r>
+              <a:rPr/>
+              <a:t>location,</a:t>
+            </a:r>
+            <a:r>
+              <a:rPr/>
+              <a:t> </a:t>
+            </a:r>
+            <a:r>
+              <a:rPr/>
+              <a:t>size,</a:t>
+            </a:r>
+            <a:r>
+              <a:rPr/>
+              <a:t> </a:t>
+            </a:r>
+            <a:r>
+              <a:rPr/>
+              <a:t>shape,</a:t>
+            </a:r>
+            <a:r>
+              <a:rPr/>
+              <a:t> </a:t>
+            </a:r>
+            <a:r>
+              <a:rPr/>
+              <a:t>and</a:t>
+            </a:r>
+            <a:r>
+              <a:rPr/>
+              <a:t> </a:t>
+            </a:r>
+            <a:r>
+              <a:rPr/>
+              <a:t>color.</a:t>
+            </a:r>
+          </a:p>
+          <a:p>
+            <a:pPr lvl="0" marL="0" indent="0">
+              <a:buNone/>
+            </a:pPr>
+          </a:p>
+          <a:p>
+            <a:pPr lvl="0" marL="0" indent="0">
+              <a:buNone/>
+            </a:pPr>
+            <a:r>
+              <a:rPr/>
+              <a:t>These</a:t>
+            </a:r>
+            <a:r>
+              <a:rPr/>
+              <a:t> </a:t>
+            </a:r>
+            <a:r>
+              <a:rPr/>
+              <a:t>ideas</a:t>
+            </a:r>
+            <a:r>
+              <a:rPr/>
+              <a:t> </a:t>
+            </a:r>
+            <a:r>
+              <a:rPr/>
+              <a:t>are</a:t>
+            </a:r>
+            <a:r>
+              <a:rPr/>
+              <a:t> </a:t>
+            </a:r>
+            <a:r>
+              <a:rPr/>
+              <a:t>implemented</a:t>
+            </a:r>
+            <a:r>
+              <a:rPr/>
+              <a:t> </a:t>
+            </a:r>
+            <a:r>
+              <a:rPr/>
+              <a:t>in</a:t>
+            </a:r>
+            <a:r>
+              <a:rPr/>
+              <a:t> </a:t>
+            </a:r>
+            <a:r>
+              <a:rPr/>
+              <a:t>R</a:t>
+            </a:r>
+            <a:r>
+              <a:rPr/>
+              <a:t> </a:t>
+            </a:r>
+            <a:r>
+              <a:rPr/>
+              <a:t>(ggplot2),</a:t>
+            </a:r>
+            <a:r>
+              <a:rPr/>
+              <a:t> </a:t>
+            </a:r>
+            <a:r>
+              <a:rPr/>
+              <a:t>Python</a:t>
+            </a:r>
+            <a:r>
+              <a:rPr/>
+              <a:t> </a:t>
+            </a:r>
+            <a:r>
+              <a:rPr/>
+              <a:t>(Altair),</a:t>
+            </a:r>
+            <a:r>
+              <a:rPr/>
+              <a:t> </a:t>
+            </a:r>
+            <a:r>
+              <a:rPr/>
+              <a:t>and</a:t>
+            </a:r>
+            <a:r>
+              <a:rPr/>
+              <a:t> </a:t>
+            </a:r>
+            <a:r>
+              <a:rPr/>
+              <a:t>Tableau.</a:t>
+            </a:r>
+          </a:p>
+        </p:txBody>
+      </p:sp>
+      <p:sp>
+        <p:nvSpPr>
+          <p:cNvPr id="4" name="Slide Number Placeholder 3"/>
+          <p:cNvSpPr>
+            <a:spLocks noGrp="1"/>
+          </p:cNvSpPr>
+          <p:nvPr>
+            <p:ph type="sldNum" sz="quarter" idx="10"/>
+          </p:nvPr>
+        </p:nvSpPr>
+        <p:spPr/>
+        <p:txBody>
+          <a:bodyPr/>
+          <a:lstStyle/>
+          <a:p>
+            <a:fld id="{18BDFEC3-8487-43E8-A154-7C12CBC1FFF2}" type="slidenum">
+              <a:rPr lang="en-US"/>
+              <a:t>19</a:t>
             </a:fld>
             <a:endParaRPr lang="en-US"/>
           </a:p>
@@ -14225,13 +16905,6 @@
               <a:t>geom_bar, geom_col</a:t>
             </a:r>
           </a:p>
-          <a:p>
-            <a:pPr lvl="1"/>
-            <a:r>
-              <a:rPr/>
-              <a:t>geom_text, geom_lab</a:t>
-            </a:r>
-          </a:p>
         </p:txBody>
       </p:sp>
     </p:spTree>
@@ -15047,6 +17720,642 @@
             </a:r>
             <a:r>
               <a:rPr/>
+              <a:t>changing</a:t>
+            </a:r>
+            <a:r>
+              <a:rPr/>
+              <a:t> </a:t>
+            </a:r>
+            <a:r>
+              <a:rPr/>
+              <a:t>variable</a:t>
+            </a:r>
+            <a:r>
+              <a:rPr/>
+              <a:t> </a:t>
+            </a:r>
+            <a:r>
+              <a:rPr/>
+              <a:t>types</a:t>
+            </a:r>
+            <a:r>
+              <a:rPr/>
+              <a:t> </a:t>
+            </a:r>
+            <a:r>
+              <a:rPr/>
+              <a:t>in</a:t>
+            </a:r>
+            <a:r>
+              <a:rPr/>
+              <a:t> </a:t>
+            </a:r>
+            <a:r>
+              <a:rPr/>
+              <a:t>Python</a:t>
+            </a:r>
+          </a:p>
+        </p:txBody>
+      </p:sp>
+      <p:sp>
+        <p:nvSpPr>
+          <p:cNvPr id="3" name="Content Placeholder 2"/>
+          <p:cNvSpPr>
+            <a:spLocks noGrp="1"/>
+          </p:cNvSpPr>
+          <p:nvPr>
+            <p:ph idx="1"/>
+          </p:nvPr>
+        </p:nvSpPr>
+        <p:spPr/>
+        <p:txBody>
+          <a:bodyPr/>
+          <a:lstStyle/>
+          <a:p>
+            <a:pPr lvl="1"/>
+            <a:r>
+              <a:rPr/>
+              <a:t>Q: Quantitative</a:t>
+            </a:r>
+          </a:p>
+          <a:p>
+            <a:pPr lvl="2"/>
+            <a:r>
+              <a:rPr/>
+              <a:t>Use for continuous variables</a:t>
+            </a:r>
+          </a:p>
+          <a:p>
+            <a:pPr lvl="1"/>
+            <a:r>
+              <a:rPr/>
+              <a:t>O: Ordinal</a:t>
+            </a:r>
+          </a:p>
+          <a:p>
+            <a:pPr lvl="2"/>
+            <a:r>
+              <a:rPr/>
+              <a:t>Use for ordered categories</a:t>
+            </a:r>
+          </a:p>
+          <a:p>
+            <a:pPr lvl="1"/>
+            <a:r>
+              <a:rPr/>
+              <a:t>N: nominal</a:t>
+            </a:r>
+          </a:p>
+          <a:p>
+            <a:pPr lvl="2"/>
+            <a:r>
+              <a:rPr/>
+              <a:t>Use for unordered categories</a:t>
+            </a:r>
+          </a:p>
+          <a:p>
+            <a:pPr lvl="1"/>
+            <a:r>
+              <a:rPr/>
+              <a:t>T: Temporal</a:t>
+            </a:r>
+          </a:p>
+          <a:p>
+            <a:pPr lvl="2"/>
+            <a:r>
+              <a:rPr/>
+              <a:t>Use for time variables</a:t>
+            </a:r>
+          </a:p>
+        </p:txBody>
+      </p:sp>
+    </p:spTree>
+  </p:cSld>
+</p:sld>
+</file>
+
+<file path=ppt/slides/slide16.xml><?xml version="1.0" encoding="utf-8"?>
+<p:sld xmlns:a="http://schemas.openxmlformats.org/drawingml/2006/main" xmlns:r="http://schemas.openxmlformats.org/officeDocument/2006/relationships" xmlns:p="http://schemas.openxmlformats.org/presentationml/2006/main">
+  <p:cSld>
+    <p:spTree>
+      <p:nvGrpSpPr>
+        <p:cNvPr id="1" name=""/>
+        <p:cNvGrpSpPr/>
+        <p:nvPr/>
+      </p:nvGrpSpPr>
+      <p:grpSpPr>
+        <a:xfrm>
+          <a:off x="0" y="0"/>
+          <a:ext cx="0" cy="0"/>
+          <a:chOff x="0" y="0"/>
+          <a:chExt cx="0" cy="0"/>
+        </a:xfrm>
+      </p:grpSpPr>
+      <p:sp>
+        <p:nvSpPr>
+          <p:cNvPr id="2" name="Title 1"/>
+          <p:cNvSpPr>
+            <a:spLocks noGrp="1"/>
+          </p:cNvSpPr>
+          <p:nvPr>
+            <p:ph type="title"/>
+          </p:nvPr>
+        </p:nvSpPr>
+        <p:spPr/>
+        <p:txBody>
+          <a:bodyPr/>
+          <a:lstStyle/>
+          <a:p>
+            <a:pPr lvl="0" marL="0" indent="0">
+              <a:buNone/>
+            </a:pPr>
+            <a:r>
+              <a:rPr/>
+              <a:t>Grammar,</a:t>
+            </a:r>
+            <a:r>
+              <a:rPr/>
+              <a:t> </a:t>
+            </a:r>
+            <a:r>
+              <a:rPr/>
+              <a:t>Changing</a:t>
+            </a:r>
+            <a:r>
+              <a:rPr/>
+              <a:t> </a:t>
+            </a:r>
+            <a:r>
+              <a:rPr/>
+              <a:t>variable</a:t>
+            </a:r>
+            <a:r>
+              <a:rPr/>
+              <a:t> </a:t>
+            </a:r>
+            <a:r>
+              <a:rPr/>
+              <a:t>types</a:t>
+            </a:r>
+            <a:r>
+              <a:rPr/>
+              <a:t> </a:t>
+            </a:r>
+            <a:r>
+              <a:rPr/>
+              <a:t>in</a:t>
+            </a:r>
+            <a:r>
+              <a:rPr/>
+              <a:t> </a:t>
+            </a:r>
+            <a:r>
+              <a:rPr/>
+              <a:t>R</a:t>
+            </a:r>
+          </a:p>
+        </p:txBody>
+      </p:sp>
+      <p:sp>
+        <p:nvSpPr>
+          <p:cNvPr id="3" name="Content Placeholder 2"/>
+          <p:cNvSpPr>
+            <a:spLocks noGrp="1"/>
+          </p:cNvSpPr>
+          <p:nvPr>
+            <p:ph idx="1"/>
+          </p:nvPr>
+        </p:nvSpPr>
+        <p:spPr/>
+        <p:txBody>
+          <a:bodyPr/>
+          <a:lstStyle/>
+          <a:p>
+            <a:pPr lvl="1"/>
+            <a:r>
+              <a:rPr/>
+              <a:t>as.numeric()</a:t>
+            </a:r>
+          </a:p>
+          <a:p>
+            <a:pPr lvl="2"/>
+            <a:r>
+              <a:rPr/>
+              <a:t>Use for continuous variables</a:t>
+            </a:r>
+          </a:p>
+          <a:p>
+            <a:pPr lvl="1"/>
+            <a:r>
+              <a:rPr/>
+              <a:t>as.character(), as.factor()</a:t>
+            </a:r>
+          </a:p>
+          <a:p>
+            <a:pPr lvl="2"/>
+            <a:r>
+              <a:rPr/>
+              <a:t>Use for categorical variables</a:t>
+            </a:r>
+          </a:p>
+          <a:p>
+            <a:pPr lvl="1"/>
+            <a:r>
+              <a:rPr/>
+              <a:t>as.Date()</a:t>
+            </a:r>
+          </a:p>
+          <a:p>
+            <a:pPr lvl="2"/>
+            <a:r>
+              <a:rPr/>
+              <a:t>Use for date variables</a:t>
+            </a:r>
+          </a:p>
+        </p:txBody>
+      </p:sp>
+    </p:spTree>
+  </p:cSld>
+</p:sld>
+</file>
+
+<file path=ppt/slides/slide17.xml><?xml version="1.0" encoding="utf-8"?>
+<p:sld xmlns:a="http://schemas.openxmlformats.org/drawingml/2006/main" xmlns:r="http://schemas.openxmlformats.org/officeDocument/2006/relationships" xmlns:p="http://schemas.openxmlformats.org/presentationml/2006/main">
+  <p:cSld>
+    <p:spTree>
+      <p:nvGrpSpPr>
+        <p:cNvPr id="1" name=""/>
+        <p:cNvGrpSpPr/>
+        <p:nvPr/>
+      </p:nvGrpSpPr>
+      <p:grpSpPr>
+        <a:xfrm>
+          <a:off x="0" y="0"/>
+          <a:ext cx="0" cy="0"/>
+          <a:chOff x="0" y="0"/>
+          <a:chExt cx="0" cy="0"/>
+        </a:xfrm>
+      </p:grpSpPr>
+      <p:sp>
+        <p:nvSpPr>
+          <p:cNvPr id="2" name="Title 1"/>
+          <p:cNvSpPr>
+            <a:spLocks noGrp="1"/>
+          </p:cNvSpPr>
+          <p:nvPr>
+            <p:ph type="title"/>
+          </p:nvPr>
+        </p:nvSpPr>
+        <p:spPr/>
+        <p:txBody>
+          <a:bodyPr/>
+          <a:lstStyle/>
+          <a:p>
+            <a:pPr lvl="0" marL="0" indent="0">
+              <a:buNone/>
+            </a:pPr>
+            <a:r>
+              <a:rPr/>
+              <a:t>Grammar,</a:t>
+            </a:r>
+            <a:r>
+              <a:rPr/>
+              <a:t> </a:t>
+            </a:r>
+            <a:r>
+              <a:rPr/>
+              <a:t>Changing</a:t>
+            </a:r>
+            <a:r>
+              <a:rPr/>
+              <a:t> </a:t>
+            </a:r>
+            <a:r>
+              <a:rPr/>
+              <a:t>variable</a:t>
+            </a:r>
+            <a:r>
+              <a:rPr/>
+              <a:t> </a:t>
+            </a:r>
+            <a:r>
+              <a:rPr/>
+              <a:t>types</a:t>
+            </a:r>
+            <a:r>
+              <a:rPr/>
+              <a:t> </a:t>
+            </a:r>
+            <a:r>
+              <a:rPr/>
+              <a:t>in</a:t>
+            </a:r>
+            <a:r>
+              <a:rPr/>
+              <a:t> </a:t>
+            </a:r>
+            <a:r>
+              <a:rPr/>
+              <a:t>Tableau</a:t>
+            </a:r>
+          </a:p>
+        </p:txBody>
+      </p:sp>
+      <p:sp>
+        <p:nvSpPr>
+          <p:cNvPr id="3" name="Content Placeholder 2"/>
+          <p:cNvSpPr>
+            <a:spLocks noGrp="1"/>
+          </p:cNvSpPr>
+          <p:nvPr>
+            <p:ph idx="1"/>
+          </p:nvPr>
+        </p:nvSpPr>
+        <p:spPr/>
+        <p:txBody>
+          <a:bodyPr/>
+          <a:lstStyle/>
+          <a:p>
+            <a:pPr lvl="1"/>
+            <a:r>
+              <a:rPr/>
+              <a:t>Dimension Discrete (blue pill)</a:t>
+            </a:r>
+          </a:p>
+          <a:p>
+            <a:pPr lvl="2"/>
+            <a:r>
+              <a:rPr/>
+              <a:t>Use for categorical variables</a:t>
+            </a:r>
+          </a:p>
+          <a:p>
+            <a:pPr lvl="1"/>
+            <a:r>
+              <a:rPr/>
+              <a:t>Dimension Continuous (green pill)</a:t>
+            </a:r>
+          </a:p>
+          <a:p>
+            <a:pPr lvl="2"/>
+            <a:r>
+              <a:rPr/>
+              <a:t>Use for continuous variables</a:t>
+            </a:r>
+          </a:p>
+          <a:p>
+            <a:pPr lvl="1"/>
+            <a:r>
+              <a:rPr/>
+              <a:t>Measure</a:t>
+            </a:r>
+          </a:p>
+          <a:p>
+            <a:pPr lvl="2"/>
+            <a:r>
+              <a:rPr/>
+              <a:t>Use for summary measures (average, count, etc.)</a:t>
+            </a:r>
+          </a:p>
+        </p:txBody>
+      </p:sp>
+    </p:spTree>
+  </p:cSld>
+</p:sld>
+</file>
+
+<file path=ppt/slides/slide18.xml><?xml version="1.0" encoding="utf-8"?>
+<p:sld xmlns:a="http://schemas.openxmlformats.org/drawingml/2006/main" xmlns:r="http://schemas.openxmlformats.org/officeDocument/2006/relationships" xmlns:p="http://schemas.openxmlformats.org/presentationml/2006/main">
+  <p:cSld>
+    <p:spTree>
+      <p:nvGrpSpPr>
+        <p:cNvPr id="1" name=""/>
+        <p:cNvGrpSpPr/>
+        <p:nvPr/>
+      </p:nvGrpSpPr>
+      <p:grpSpPr>
+        <a:xfrm>
+          <a:off x="0" y="0"/>
+          <a:ext cx="0" cy="0"/>
+          <a:chOff x="0" y="0"/>
+          <a:chExt cx="0" cy="0"/>
+        </a:xfrm>
+      </p:grpSpPr>
+      <p:sp>
+        <p:nvSpPr>
+          <p:cNvPr id="2" name="Title 1"/>
+          <p:cNvSpPr>
+            <a:spLocks noGrp="1"/>
+          </p:cNvSpPr>
+          <p:nvPr>
+            <p:ph type="title"/>
+          </p:nvPr>
+        </p:nvSpPr>
+        <p:spPr/>
+        <p:txBody>
+          <a:bodyPr/>
+          <a:lstStyle/>
+          <a:p>
+            <a:pPr lvl="0" marL="0" indent="0">
+              <a:buNone/>
+            </a:pPr>
+            <a:r>
+              <a:rPr/>
+              <a:t>Grammar,</a:t>
+            </a:r>
+            <a:r>
+              <a:rPr/>
+              <a:t> </a:t>
+            </a:r>
+            <a:r>
+              <a:rPr/>
+              <a:t>Changing</a:t>
+            </a:r>
+            <a:r>
+              <a:rPr/>
+              <a:t> </a:t>
+            </a:r>
+            <a:r>
+              <a:rPr/>
+              <a:t>variable</a:t>
+            </a:r>
+            <a:r>
+              <a:rPr/>
+              <a:t> </a:t>
+            </a:r>
+            <a:r>
+              <a:rPr/>
+              <a:t>types</a:t>
+            </a:r>
+            <a:r>
+              <a:rPr/>
+              <a:t> </a:t>
+            </a:r>
+            <a:r>
+              <a:rPr/>
+              <a:t>in</a:t>
+            </a:r>
+            <a:r>
+              <a:rPr/>
+              <a:t> </a:t>
+            </a:r>
+            <a:r>
+              <a:rPr/>
+              <a:t>Tableau</a:t>
+            </a:r>
+          </a:p>
+        </p:txBody>
+      </p:sp>
+      <p:pic>
+        <p:nvPicPr>
+          <p:cNvPr descr="../images/tableau/variable-types.png" id="0" name="Picture 1"/>
+          <p:cNvPicPr>
+            <a:picLocks noGrp="1" noChangeAspect="1"/>
+          </p:cNvPicPr>
+          <p:nvPr/>
+        </p:nvPicPr>
+        <p:blipFill>
+          <a:blip r:embed="rId3"/>
+          <a:stretch>
+            <a:fillRect/>
+          </a:stretch>
+        </p:blipFill>
+        <p:spPr bwMode="auto">
+          <a:xfrm>
+            <a:off x="3238500" y="1600200"/>
+            <a:ext cx="2667000" cy="4013200"/>
+          </a:xfrm>
+          <a:prstGeom prst="rect">
+            <a:avLst/>
+          </a:prstGeom>
+          <a:noFill/>
+          <a:ln w="9525">
+            <a:noFill/>
+            <a:headEnd/>
+            <a:tailEnd/>
+          </a:ln>
+        </p:spPr>
+      </p:pic>
+      <p:sp>
+        <p:nvSpPr>
+          <p:cNvPr id="1" name="TextBox 3"/>
+          <p:cNvSpPr txBox="1"/>
+          <p:nvPr/>
+        </p:nvSpPr>
+        <p:spPr>
+          <a:xfrm>
+            <a:off x="457200" y="5613400"/>
+            <a:ext cx="8229600" cy="508000"/>
+          </a:xfrm>
+          <a:prstGeom prst="rect">
+            <a:avLst/>
+          </a:prstGeom>
+          <a:noFill/>
+        </p:spPr>
+        <p:txBody>
+          <a:bodyPr/>
+          <a:lstStyle/>
+          <a:p>
+            <a:pPr lvl="0" marL="0" indent="0" algn="ctr">
+              <a:buNone/>
+            </a:pPr>
+            <a:r>
+              <a:rPr/>
+              <a:t>Variable</a:t>
+            </a:r>
+            <a:r>
+              <a:rPr/>
+              <a:t> </a:t>
+            </a:r>
+            <a:r>
+              <a:rPr/>
+              <a:t>pull</a:t>
+            </a:r>
+            <a:r>
+              <a:rPr/>
+              <a:t> </a:t>
+            </a:r>
+            <a:r>
+              <a:rPr/>
+              <a:t>down</a:t>
+            </a:r>
+            <a:r>
+              <a:rPr/>
+              <a:t> </a:t>
+            </a:r>
+            <a:r>
+              <a:rPr/>
+              <a:t>menu</a:t>
+            </a:r>
+            <a:r>
+              <a:rPr/>
+              <a:t> </a:t>
+            </a:r>
+            <a:r>
+              <a:rPr/>
+              <a:t>in</a:t>
+            </a:r>
+            <a:r>
+              <a:rPr/>
+              <a:t> </a:t>
+            </a:r>
+            <a:r>
+              <a:rPr/>
+              <a:t>Tableau</a:t>
+            </a:r>
+          </a:p>
+        </p:txBody>
+      </p:sp>
+    </p:spTree>
+  </p:cSld>
+</p:sld>
+</file>
+
+<file path=ppt/slides/slide19.xml><?xml version="1.0" encoding="utf-8"?>
+<p:sld xmlns:a="http://schemas.openxmlformats.org/drawingml/2006/main" xmlns:r="http://schemas.openxmlformats.org/officeDocument/2006/relationships" xmlns:p="http://schemas.openxmlformats.org/presentationml/2006/main">
+  <p:cSld>
+    <p:spTree>
+      <p:nvGrpSpPr>
+        <p:cNvPr id="1" name=""/>
+        <p:cNvGrpSpPr/>
+        <p:nvPr/>
+      </p:nvGrpSpPr>
+      <p:grpSpPr>
+        <a:xfrm>
+          <a:off x="0" y="0"/>
+          <a:ext cx="0" cy="0"/>
+          <a:chOff x="0" y="0"/>
+          <a:chExt cx="0" cy="0"/>
+        </a:xfrm>
+      </p:grpSpPr>
+      <p:sp>
+        <p:nvSpPr>
+          <p:cNvPr id="2" name="Title 1"/>
+          <p:cNvSpPr>
+            <a:spLocks noGrp="1"/>
+          </p:cNvSpPr>
+          <p:nvPr>
+            <p:ph type="title"/>
+          </p:nvPr>
+        </p:nvSpPr>
+        <p:spPr/>
+        <p:txBody>
+          <a:bodyPr/>
+          <a:lstStyle/>
+          <a:p>
+            <a:pPr lvl="0" marL="0" indent="0">
+              <a:buNone/>
+            </a:pPr>
+            <a:r>
+              <a:rPr/>
+              <a:t>Grammar,</a:t>
+            </a:r>
+            <a:r>
+              <a:rPr/>
+              <a:t> </a:t>
+            </a:r>
+            <a:r>
+              <a:rPr/>
               <a:t>Summary</a:t>
             </a:r>
           </a:p>
@@ -16400,13 +19709,6 @@
             </a:r>
           </a:p>
           <a:p>
-            <a:pPr lvl="2"/>
-            <a:r>
-              <a:rPr/>
-              <a:t>Text</a:t>
-            </a:r>
-          </a:p>
-          <a:p>
             <a:pPr lvl="1"/>
             <a:r>
               <a:rPr/>
@@ -16547,13 +19849,6 @@
             <a:r>
               <a:rPr/>
               <a:t>mark_bar</a:t>
-            </a:r>
-          </a:p>
-          <a:p>
-            <a:pPr lvl="1"/>
-            <a:r>
-              <a:rPr/>
-              <a:t>mark_text</a:t>
             </a:r>
           </a:p>
         </p:txBody>
